--- a/docs/issta2014/dom1.pptx
+++ b/docs/issta2014/dom1.pptx
@@ -7,6 +7,7 @@
   <p:sldIdLst>
     <p:sldId id="256" r:id="rId2"/>
     <p:sldId id="257" r:id="rId3"/>
+    <p:sldId id="258" r:id="rId4"/>
   </p:sldIdLst>
   <p:sldSz cx="12192000" cy="6858000"/>
   <p:notesSz cx="6858000" cy="9144000"/>
@@ -107,7 +108,7 @@
   </p:defaultTextStyle>
   <p:extLst>
     <p:ext uri="{EFAFB233-063F-42B5-8137-9DF3F51BA10A}">
-      <p15:sldGuideLst xmlns:p15="http://schemas.microsoft.com/office/powerpoint/2012/main"/>
+      <p15:sldGuideLst xmlns:p15="http://schemas.microsoft.com/office/powerpoint/2012/main" xmlns=""/>
     </p:ext>
   </p:extLst>
 </p:presentation>
@@ -244,7 +245,7 @@
           <a:p>
             <a:fld id="{52A5C777-A12A-492A-A831-F6E5DBC3E481}" type="datetimeFigureOut">
               <a:rPr lang="en-CA" smtClean="0"/>
-              <a:t>2014-01-10</a:t>
+              <a:t>10/01/2014</a:t>
             </a:fld>
             <a:endParaRPr lang="en-CA"/>
           </a:p>
@@ -414,7 +415,7 @@
           <a:p>
             <a:fld id="{52A5C777-A12A-492A-A831-F6E5DBC3E481}" type="datetimeFigureOut">
               <a:rPr lang="en-CA" smtClean="0"/>
-              <a:t>2014-01-10</a:t>
+              <a:t>10/01/2014</a:t>
             </a:fld>
             <a:endParaRPr lang="en-CA"/>
           </a:p>
@@ -594,7 +595,7 @@
           <a:p>
             <a:fld id="{52A5C777-A12A-492A-A831-F6E5DBC3E481}" type="datetimeFigureOut">
               <a:rPr lang="en-CA" smtClean="0"/>
-              <a:t>2014-01-10</a:t>
+              <a:t>10/01/2014</a:t>
             </a:fld>
             <a:endParaRPr lang="en-CA"/>
           </a:p>
@@ -764,7 +765,7 @@
           <a:p>
             <a:fld id="{52A5C777-A12A-492A-A831-F6E5DBC3E481}" type="datetimeFigureOut">
               <a:rPr lang="en-CA" smtClean="0"/>
-              <a:t>2014-01-10</a:t>
+              <a:t>10/01/2014</a:t>
             </a:fld>
             <a:endParaRPr lang="en-CA"/>
           </a:p>
@@ -1010,7 +1011,7 @@
           <a:p>
             <a:fld id="{52A5C777-A12A-492A-A831-F6E5DBC3E481}" type="datetimeFigureOut">
               <a:rPr lang="en-CA" smtClean="0"/>
-              <a:t>2014-01-10</a:t>
+              <a:t>10/01/2014</a:t>
             </a:fld>
             <a:endParaRPr lang="en-CA"/>
           </a:p>
@@ -1242,7 +1243,7 @@
           <a:p>
             <a:fld id="{52A5C777-A12A-492A-A831-F6E5DBC3E481}" type="datetimeFigureOut">
               <a:rPr lang="en-CA" smtClean="0"/>
-              <a:t>2014-01-10</a:t>
+              <a:t>10/01/2014</a:t>
             </a:fld>
             <a:endParaRPr lang="en-CA"/>
           </a:p>
@@ -1609,7 +1610,7 @@
           <a:p>
             <a:fld id="{52A5C777-A12A-492A-A831-F6E5DBC3E481}" type="datetimeFigureOut">
               <a:rPr lang="en-CA" smtClean="0"/>
-              <a:t>2014-01-10</a:t>
+              <a:t>10/01/2014</a:t>
             </a:fld>
             <a:endParaRPr lang="en-CA"/>
           </a:p>
@@ -1727,7 +1728,7 @@
           <a:p>
             <a:fld id="{52A5C777-A12A-492A-A831-F6E5DBC3E481}" type="datetimeFigureOut">
               <a:rPr lang="en-CA" smtClean="0"/>
-              <a:t>2014-01-10</a:t>
+              <a:t>10/01/2014</a:t>
             </a:fld>
             <a:endParaRPr lang="en-CA"/>
           </a:p>
@@ -1822,7 +1823,7 @@
           <a:p>
             <a:fld id="{52A5C777-A12A-492A-A831-F6E5DBC3E481}" type="datetimeFigureOut">
               <a:rPr lang="en-CA" smtClean="0"/>
-              <a:t>2014-01-10</a:t>
+              <a:t>10/01/2014</a:t>
             </a:fld>
             <a:endParaRPr lang="en-CA"/>
           </a:p>
@@ -2099,7 +2100,7 @@
           <a:p>
             <a:fld id="{52A5C777-A12A-492A-A831-F6E5DBC3E481}" type="datetimeFigureOut">
               <a:rPr lang="en-CA" smtClean="0"/>
-              <a:t>2014-01-10</a:t>
+              <a:t>10/01/2014</a:t>
             </a:fld>
             <a:endParaRPr lang="en-CA"/>
           </a:p>
@@ -2352,7 +2353,7 @@
           <a:p>
             <a:fld id="{52A5C777-A12A-492A-A831-F6E5DBC3E481}" type="datetimeFigureOut">
               <a:rPr lang="en-CA" smtClean="0"/>
-              <a:t>2014-01-10</a:t>
+              <a:t>10/01/2014</a:t>
             </a:fld>
             <a:endParaRPr lang="en-CA"/>
           </a:p>
@@ -2565,7 +2566,7 @@
           <a:p>
             <a:fld id="{52A5C777-A12A-492A-A831-F6E5DBC3E481}" type="datetimeFigureOut">
               <a:rPr lang="en-CA" smtClean="0"/>
-              <a:t>2014-01-10</a:t>
+              <a:t>10/01/2014</a:t>
             </a:fld>
             <a:endParaRPr lang="en-CA"/>
           </a:p>
@@ -3045,126 +3046,6 @@
           <a:chExt cx="0" cy="0"/>
         </a:xfrm>
       </p:grpSpPr>
-      <p:sp>
-        <p:nvSpPr>
-          <p:cNvPr id="3" name="Rounded Rectangle 2"/>
-          <p:cNvSpPr/>
-          <p:nvPr/>
-        </p:nvSpPr>
-        <p:spPr>
-          <a:xfrm>
-            <a:off x="6960386" y="1260472"/>
-            <a:ext cx="224186" cy="242176"/>
-          </a:xfrm>
-          <a:prstGeom prst="roundRect">
-            <a:avLst/>
-          </a:prstGeom>
-          <a:noFill/>
-          <a:ln w="31750">
-            <a:solidFill>
-              <a:schemeClr val="accent6">
-                <a:alpha val="97000"/>
-              </a:schemeClr>
-            </a:solidFill>
-          </a:ln>
-        </p:spPr>
-        <p:style>
-          <a:lnRef idx="2">
-            <a:schemeClr val="accent1">
-              <a:shade val="50000"/>
-            </a:schemeClr>
-          </a:lnRef>
-          <a:fillRef idx="1">
-            <a:schemeClr val="accent1"/>
-          </a:fillRef>
-          <a:effectRef idx="0">
-            <a:schemeClr val="accent1"/>
-          </a:effectRef>
-          <a:fontRef idx="minor">
-            <a:schemeClr val="lt1"/>
-          </a:fontRef>
-        </p:style>
-        <p:txBody>
-          <a:bodyPr lIns="0" tIns="0" rIns="0" bIns="0" rtlCol="0" anchor="ctr"/>
-          <a:lstStyle/>
-          <a:p>
-            <a:pPr algn="ctr"/>
-            <a:r>
-              <a:rPr lang="en-US" dirty="0" smtClean="0">
-                <a:solidFill>
-                  <a:schemeClr val="tx1"/>
-                </a:solidFill>
-              </a:rPr>
-              <a:t>a</a:t>
-            </a:r>
-            <a:endParaRPr lang="en-CA" dirty="0">
-              <a:solidFill>
-                <a:schemeClr val="tx1"/>
-              </a:solidFill>
-            </a:endParaRPr>
-          </a:p>
-        </p:txBody>
-      </p:sp>
-      <p:sp>
-        <p:nvSpPr>
-          <p:cNvPr id="6" name="Rounded Rectangle 5"/>
-          <p:cNvSpPr/>
-          <p:nvPr/>
-        </p:nvSpPr>
-        <p:spPr>
-          <a:xfrm>
-            <a:off x="7693364" y="1247822"/>
-            <a:ext cx="224186" cy="227464"/>
-          </a:xfrm>
-          <a:prstGeom prst="roundRect">
-            <a:avLst/>
-          </a:prstGeom>
-          <a:noFill/>
-          <a:ln w="31750">
-            <a:solidFill>
-              <a:schemeClr val="accent6">
-                <a:alpha val="97000"/>
-              </a:schemeClr>
-            </a:solidFill>
-          </a:ln>
-        </p:spPr>
-        <p:style>
-          <a:lnRef idx="2">
-            <a:schemeClr val="accent1">
-              <a:shade val="50000"/>
-            </a:schemeClr>
-          </a:lnRef>
-          <a:fillRef idx="1">
-            <a:schemeClr val="accent1"/>
-          </a:fillRef>
-          <a:effectRef idx="0">
-            <a:schemeClr val="accent1"/>
-          </a:effectRef>
-          <a:fontRef idx="minor">
-            <a:schemeClr val="lt1"/>
-          </a:fontRef>
-        </p:style>
-        <p:txBody>
-          <a:bodyPr lIns="0" tIns="0" rIns="0" bIns="0" rtlCol="0" anchor="ctr"/>
-          <a:lstStyle/>
-          <a:p>
-            <a:pPr algn="ctr"/>
-            <a:r>
-              <a:rPr lang="en-US" dirty="0" smtClean="0">
-                <a:solidFill>
-                  <a:schemeClr val="tx1"/>
-                </a:solidFill>
-              </a:rPr>
-              <a:t>c</a:t>
-            </a:r>
-            <a:endParaRPr lang="en-CA" dirty="0">
-              <a:solidFill>
-                <a:schemeClr val="tx1"/>
-              </a:solidFill>
-            </a:endParaRPr>
-          </a:p>
-        </p:txBody>
-      </p:sp>
       <p:grpSp>
         <p:nvGrpSpPr>
           <p:cNvPr id="26" name="Group 25"/>
@@ -3174,9 +3055,9 @@
         <p:grpSpPr>
           <a:xfrm>
             <a:off x="1216489" y="1181076"/>
-            <a:ext cx="593651" cy="1932028"/>
+            <a:ext cx="593651" cy="1882268"/>
             <a:chOff x="1906954" y="2729958"/>
-            <a:chExt cx="593651" cy="1932028"/>
+            <a:chExt cx="593651" cy="1882268"/>
           </a:xfrm>
         </p:grpSpPr>
         <p:sp>
@@ -3188,7 +3069,7 @@
           <p:spPr>
             <a:xfrm>
               <a:off x="1937405" y="3817060"/>
-              <a:ext cx="563200" cy="297740"/>
+              <a:ext cx="563200" cy="241200"/>
             </a:xfrm>
             <a:prstGeom prst="roundRect">
               <a:avLst/>
@@ -3423,7 +3304,7 @@
           </p:nvSpPr>
           <p:spPr>
             <a:xfrm>
-              <a:off x="1906954" y="4419810"/>
+              <a:off x="1906954" y="4370050"/>
               <a:ext cx="224186" cy="242176"/>
             </a:xfrm>
             <a:prstGeom prst="roundRect">
@@ -3478,8 +3359,8 @@
           </p:nvCxnSpPr>
           <p:spPr>
             <a:xfrm flipV="1">
-              <a:off x="2019047" y="4114800"/>
-              <a:ext cx="199958" cy="305010"/>
+              <a:off x="2019047" y="4058260"/>
+              <a:ext cx="199958" cy="311790"/>
             </a:xfrm>
             <a:prstGeom prst="straightConnector1">
               <a:avLst/>
@@ -3511,7 +3392,7 @@
           </p:nvSpPr>
           <p:spPr>
             <a:xfrm>
-              <a:off x="1958398" y="4151889"/>
+              <a:off x="1952178" y="4108349"/>
               <a:ext cx="121297" cy="230832"/>
             </a:xfrm>
             <a:prstGeom prst="rect">
@@ -3535,371 +3416,6 @@
           </p:txBody>
         </p:sp>
       </p:grpSp>
-      <p:sp>
-        <p:nvSpPr>
-          <p:cNvPr id="27" name="Rounded Rectangle 26"/>
-          <p:cNvSpPr/>
-          <p:nvPr/>
-        </p:nvSpPr>
-        <p:spPr>
-          <a:xfrm>
-            <a:off x="7579443" y="2498333"/>
-            <a:ext cx="224186" cy="242176"/>
-          </a:xfrm>
-          <a:prstGeom prst="roundRect">
-            <a:avLst/>
-          </a:prstGeom>
-          <a:noFill/>
-          <a:ln w="31750">
-            <a:solidFill>
-              <a:schemeClr val="accent6">
-                <a:alpha val="97000"/>
-              </a:schemeClr>
-            </a:solidFill>
-          </a:ln>
-        </p:spPr>
-        <p:style>
-          <a:lnRef idx="2">
-            <a:schemeClr val="accent1">
-              <a:shade val="50000"/>
-            </a:schemeClr>
-          </a:lnRef>
-          <a:fillRef idx="1">
-            <a:schemeClr val="accent1"/>
-          </a:fillRef>
-          <a:effectRef idx="0">
-            <a:schemeClr val="accent1"/>
-          </a:effectRef>
-          <a:fontRef idx="minor">
-            <a:schemeClr val="lt1"/>
-          </a:fontRef>
-        </p:style>
-        <p:txBody>
-          <a:bodyPr lIns="0" tIns="0" rIns="0" bIns="0" rtlCol="0" anchor="ctr"/>
-          <a:lstStyle/>
-          <a:p>
-            <a:pPr algn="ctr"/>
-            <a:endParaRPr lang="en-CA" dirty="0">
-              <a:solidFill>
-                <a:schemeClr val="tx1"/>
-              </a:solidFill>
-            </a:endParaRPr>
-          </a:p>
-        </p:txBody>
-      </p:sp>
-      <p:sp>
-        <p:nvSpPr>
-          <p:cNvPr id="35" name="Rounded Rectangle 34"/>
-          <p:cNvSpPr/>
-          <p:nvPr/>
-        </p:nvSpPr>
-        <p:spPr>
-          <a:xfrm>
-            <a:off x="5123754" y="2413234"/>
-            <a:ext cx="224186" cy="242176"/>
-          </a:xfrm>
-          <a:prstGeom prst="roundRect">
-            <a:avLst/>
-          </a:prstGeom>
-          <a:noFill/>
-          <a:ln w="31750">
-            <a:solidFill>
-              <a:schemeClr val="accent6">
-                <a:alpha val="97000"/>
-              </a:schemeClr>
-            </a:solidFill>
-          </a:ln>
-        </p:spPr>
-        <p:style>
-          <a:lnRef idx="2">
-            <a:schemeClr val="accent1">
-              <a:shade val="50000"/>
-            </a:schemeClr>
-          </a:lnRef>
-          <a:fillRef idx="1">
-            <a:schemeClr val="accent1"/>
-          </a:fillRef>
-          <a:effectRef idx="0">
-            <a:schemeClr val="accent1"/>
-          </a:effectRef>
-          <a:fontRef idx="minor">
-            <a:schemeClr val="lt1"/>
-          </a:fontRef>
-        </p:style>
-        <p:txBody>
-          <a:bodyPr lIns="0" tIns="0" rIns="0" bIns="0" rtlCol="0" anchor="ctr"/>
-          <a:lstStyle/>
-          <a:p>
-            <a:pPr algn="ctr"/>
-            <a:r>
-              <a:rPr lang="en-US" dirty="0" smtClean="0">
-                <a:solidFill>
-                  <a:schemeClr val="tx1"/>
-                </a:solidFill>
-              </a:rPr>
-              <a:t>c</a:t>
-            </a:r>
-            <a:endParaRPr lang="en-CA" dirty="0">
-              <a:solidFill>
-                <a:schemeClr val="tx1"/>
-              </a:solidFill>
-            </a:endParaRPr>
-          </a:p>
-        </p:txBody>
-      </p:sp>
-      <p:grpSp>
-        <p:nvGrpSpPr>
-          <p:cNvPr id="62" name="Group 61"/>
-          <p:cNvGrpSpPr/>
-          <p:nvPr/>
-        </p:nvGrpSpPr>
-        <p:grpSpPr>
-          <a:xfrm>
-            <a:off x="5597816" y="2655410"/>
-            <a:ext cx="906587" cy="574968"/>
-            <a:chOff x="4730061" y="2655410"/>
-            <a:chExt cx="906587" cy="574968"/>
-          </a:xfrm>
-        </p:grpSpPr>
-        <p:sp>
-          <p:nvSpPr>
-            <p:cNvPr id="5" name="Rounded Rectangle 4"/>
-            <p:cNvSpPr/>
-            <p:nvPr/>
-          </p:nvSpPr>
-          <p:spPr>
-            <a:xfrm>
-              <a:off x="4899568" y="2988202"/>
-              <a:ext cx="224186" cy="242176"/>
-            </a:xfrm>
-            <a:prstGeom prst="roundRect">
-              <a:avLst/>
-            </a:prstGeom>
-            <a:noFill/>
-            <a:ln w="31750">
-              <a:solidFill>
-                <a:schemeClr val="accent6">
-                  <a:alpha val="97000"/>
-                </a:schemeClr>
-              </a:solidFill>
-            </a:ln>
-          </p:spPr>
-          <p:style>
-            <a:lnRef idx="2">
-              <a:schemeClr val="accent1">
-                <a:shade val="50000"/>
-              </a:schemeClr>
-            </a:lnRef>
-            <a:fillRef idx="1">
-              <a:schemeClr val="accent1"/>
-            </a:fillRef>
-            <a:effectRef idx="0">
-              <a:schemeClr val="accent1"/>
-            </a:effectRef>
-            <a:fontRef idx="minor">
-              <a:schemeClr val="lt1"/>
-            </a:fontRef>
-          </p:style>
-          <p:txBody>
-            <a:bodyPr lIns="0" tIns="0" rIns="0" bIns="0" rtlCol="0" anchor="ctr"/>
-            <a:lstStyle/>
-            <a:p>
-              <a:pPr algn="ctr"/>
-              <a:endParaRPr lang="en-CA" dirty="0">
-                <a:solidFill>
-                  <a:schemeClr val="tx1"/>
-                </a:solidFill>
-              </a:endParaRPr>
-            </a:p>
-          </p:txBody>
-        </p:sp>
-        <p:sp>
-          <p:nvSpPr>
-            <p:cNvPr id="7" name="Rounded Rectangle 6"/>
-            <p:cNvSpPr/>
-            <p:nvPr/>
-          </p:nvSpPr>
-          <p:spPr>
-            <a:xfrm>
-              <a:off x="5347940" y="2959145"/>
-              <a:ext cx="224186" cy="242176"/>
-            </a:xfrm>
-            <a:prstGeom prst="roundRect">
-              <a:avLst/>
-            </a:prstGeom>
-            <a:noFill/>
-            <a:ln w="31750">
-              <a:solidFill>
-                <a:schemeClr val="accent6">
-                  <a:alpha val="97000"/>
-                </a:schemeClr>
-              </a:solidFill>
-            </a:ln>
-          </p:spPr>
-          <p:style>
-            <a:lnRef idx="2">
-              <a:schemeClr val="accent1">
-                <a:shade val="50000"/>
-              </a:schemeClr>
-            </a:lnRef>
-            <a:fillRef idx="1">
-              <a:schemeClr val="accent1"/>
-            </a:fillRef>
-            <a:effectRef idx="0">
-              <a:schemeClr val="accent1"/>
-            </a:effectRef>
-            <a:fontRef idx="minor">
-              <a:schemeClr val="lt1"/>
-            </a:fontRef>
-          </p:style>
-          <p:txBody>
-            <a:bodyPr lIns="0" tIns="0" rIns="0" bIns="0" rtlCol="0" anchor="ctr"/>
-            <a:lstStyle/>
-            <a:p>
-              <a:pPr algn="ctr"/>
-              <a:endParaRPr lang="en-CA" dirty="0">
-                <a:solidFill>
-                  <a:schemeClr val="tx1"/>
-                </a:solidFill>
-              </a:endParaRPr>
-            </a:p>
-          </p:txBody>
-        </p:sp>
-        <p:cxnSp>
-          <p:nvCxnSpPr>
-            <p:cNvPr id="36" name="Straight Arrow Connector 35"/>
-            <p:cNvCxnSpPr>
-              <a:stCxn id="7" idx="0"/>
-              <a:endCxn id="35" idx="2"/>
-            </p:cNvCxnSpPr>
-            <p:nvPr/>
-          </p:nvCxnSpPr>
-          <p:spPr>
-            <a:xfrm flipH="1" flipV="1">
-              <a:off x="5235847" y="2655410"/>
-              <a:ext cx="224186" cy="303735"/>
-            </a:xfrm>
-            <a:prstGeom prst="straightConnector1">
-              <a:avLst/>
-            </a:prstGeom>
-            <a:ln>
-              <a:tailEnd type="triangle"/>
-            </a:ln>
-          </p:spPr>
-          <p:style>
-            <a:lnRef idx="1">
-              <a:schemeClr val="accent1"/>
-            </a:lnRef>
-            <a:fillRef idx="0">
-              <a:schemeClr val="accent1"/>
-            </a:fillRef>
-            <a:effectRef idx="0">
-              <a:schemeClr val="accent1"/>
-            </a:effectRef>
-            <a:fontRef idx="minor">
-              <a:schemeClr val="tx1"/>
-            </a:fontRef>
-          </p:style>
-        </p:cxnSp>
-        <p:cxnSp>
-          <p:nvCxnSpPr>
-            <p:cNvPr id="43" name="Straight Arrow Connector 42"/>
-            <p:cNvCxnSpPr>
-              <a:stCxn id="5" idx="0"/>
-              <a:endCxn id="35" idx="2"/>
-            </p:cNvCxnSpPr>
-            <p:nvPr/>
-          </p:nvCxnSpPr>
-          <p:spPr>
-            <a:xfrm flipV="1">
-              <a:off x="5011661" y="2655410"/>
-              <a:ext cx="224186" cy="332792"/>
-            </a:xfrm>
-            <a:prstGeom prst="straightConnector1">
-              <a:avLst/>
-            </a:prstGeom>
-            <a:ln>
-              <a:tailEnd type="triangle"/>
-            </a:ln>
-          </p:spPr>
-          <p:style>
-            <a:lnRef idx="1">
-              <a:schemeClr val="accent1"/>
-            </a:lnRef>
-            <a:fillRef idx="0">
-              <a:schemeClr val="accent1"/>
-            </a:fillRef>
-            <a:effectRef idx="0">
-              <a:schemeClr val="accent1"/>
-            </a:effectRef>
-            <a:fontRef idx="minor">
-              <a:schemeClr val="tx1"/>
-            </a:fontRef>
-          </p:style>
-        </p:cxnSp>
-        <p:sp>
-          <p:nvSpPr>
-            <p:cNvPr id="46" name="TextBox 45"/>
-            <p:cNvSpPr txBox="1"/>
-            <p:nvPr/>
-          </p:nvSpPr>
-          <p:spPr>
-            <a:xfrm>
-              <a:off x="4730061" y="2722244"/>
-              <a:ext cx="329171" cy="230832"/>
-            </a:xfrm>
-            <a:prstGeom prst="rect">
-              <a:avLst/>
-            </a:prstGeom>
-            <a:noFill/>
-          </p:spPr>
-          <p:txBody>
-            <a:bodyPr wrap="square" lIns="0" tIns="0" rIns="0" bIns="0" rtlCol="0" anchor="ctr" anchorCtr="0">
-              <a:spAutoFit/>
-            </a:bodyPr>
-            <a:lstStyle/>
-            <a:p>
-              <a:pPr algn="ctr"/>
-              <a:r>
-                <a:rPr lang="en-US" sz="1500" dirty="0" smtClean="0"/>
-                <a:t>-2</a:t>
-              </a:r>
-              <a:endParaRPr lang="en-CA" sz="1500" dirty="0"/>
-            </a:p>
-          </p:txBody>
-        </p:sp>
-        <p:sp>
-          <p:nvSpPr>
-            <p:cNvPr id="47" name="TextBox 46"/>
-            <p:cNvSpPr txBox="1"/>
-            <p:nvPr/>
-          </p:nvSpPr>
-          <p:spPr>
-            <a:xfrm>
-              <a:off x="5460033" y="2722244"/>
-              <a:ext cx="176615" cy="230832"/>
-            </a:xfrm>
-            <a:prstGeom prst="rect">
-              <a:avLst/>
-            </a:prstGeom>
-            <a:noFill/>
-          </p:spPr>
-          <p:txBody>
-            <a:bodyPr wrap="square" lIns="0" tIns="0" rIns="0" bIns="0" rtlCol="0" anchor="ctr" anchorCtr="0">
-              <a:spAutoFit/>
-            </a:bodyPr>
-            <a:lstStyle/>
-            <a:p>
-              <a:pPr algn="ctr"/>
-              <a:r>
-                <a:rPr lang="en-US" sz="1500" dirty="0" smtClean="0"/>
-                <a:t>-1</a:t>
-              </a:r>
-              <a:endParaRPr lang="en-CA" sz="1500" dirty="0"/>
-            </a:p>
-          </p:txBody>
-        </p:sp>
-      </p:grpSp>
       <p:grpSp>
         <p:nvGrpSpPr>
           <p:cNvPr id="51" name="Group 50"/>
@@ -3908,10 +3424,10 @@
         </p:nvGrpSpPr>
         <p:grpSpPr>
           <a:xfrm>
-            <a:off x="3267144" y="1873392"/>
-            <a:ext cx="1233321" cy="1355023"/>
-            <a:chOff x="3114744" y="1720992"/>
-            <a:chExt cx="1233321" cy="1355023"/>
+            <a:off x="2041057" y="1726981"/>
+            <a:ext cx="1233321" cy="1336363"/>
+            <a:chOff x="3114744" y="1733432"/>
+            <a:chExt cx="1233321" cy="1336363"/>
           </a:xfrm>
         </p:grpSpPr>
         <p:sp>
@@ -3922,7 +3438,7 @@
           </p:nvSpPr>
           <p:spPr>
             <a:xfrm>
-              <a:off x="3284251" y="2295960"/>
+              <a:off x="3284251" y="2271080"/>
               <a:ext cx="224186" cy="242176"/>
             </a:xfrm>
             <a:prstGeom prst="roundRect">
@@ -3982,7 +3498,7 @@
           </p:nvSpPr>
           <p:spPr>
             <a:xfrm>
-              <a:off x="3732623" y="2266903"/>
+              <a:off x="3732623" y="2273123"/>
               <a:ext cx="224186" cy="242176"/>
             </a:xfrm>
             <a:prstGeom prst="roundRect">
@@ -4034,7 +3550,7 @@
           </p:nvSpPr>
           <p:spPr>
             <a:xfrm>
-              <a:off x="3372116" y="2833839"/>
+              <a:off x="3372116" y="2827619"/>
               <a:ext cx="224186" cy="242176"/>
             </a:xfrm>
             <a:prstGeom prst="roundRect">
@@ -4089,8 +3605,8 @@
           </p:nvCxnSpPr>
           <p:spPr>
             <a:xfrm flipH="1" flipV="1">
-              <a:off x="3396344" y="2538136"/>
-              <a:ext cx="87865" cy="295703"/>
+              <a:off x="3396344" y="2513256"/>
+              <a:ext cx="87865" cy="314363"/>
             </a:xfrm>
             <a:prstGeom prst="straightConnector1">
               <a:avLst/>
@@ -4122,7 +3638,7 @@
           </p:nvSpPr>
           <p:spPr>
             <a:xfrm>
-              <a:off x="3484209" y="2603007"/>
+              <a:off x="3434449" y="2565687"/>
               <a:ext cx="238455" cy="230832"/>
             </a:xfrm>
             <a:prstGeom prst="rect">
@@ -4153,7 +3669,7 @@
           </p:nvSpPr>
           <p:spPr>
             <a:xfrm>
-              <a:off x="3508437" y="1720992"/>
+              <a:off x="3508437" y="1733432"/>
               <a:ext cx="224186" cy="242176"/>
             </a:xfrm>
             <a:prstGeom prst="roundRect">
@@ -4208,8 +3724,8 @@
           </p:nvCxnSpPr>
           <p:spPr>
             <a:xfrm flipH="1" flipV="1">
-              <a:off x="3620530" y="1963168"/>
-              <a:ext cx="224186" cy="303735"/>
+              <a:off x="3620530" y="1975608"/>
+              <a:ext cx="224186" cy="297515"/>
             </a:xfrm>
             <a:prstGeom prst="straightConnector1">
               <a:avLst/>
@@ -4244,8 +3760,8 @@
           </p:nvCxnSpPr>
           <p:spPr>
             <a:xfrm flipV="1">
-              <a:off x="3396344" y="1963168"/>
-              <a:ext cx="224186" cy="332792"/>
+              <a:off x="3396344" y="1975608"/>
+              <a:ext cx="224186" cy="295472"/>
             </a:xfrm>
             <a:prstGeom prst="straightConnector1">
               <a:avLst/>
@@ -4340,6 +3856,722 @@
           </p:txBody>
         </p:sp>
       </p:grpSp>
+      <p:grpSp>
+        <p:nvGrpSpPr>
+          <p:cNvPr id="50" name="Group 49"/>
+          <p:cNvGrpSpPr/>
+          <p:nvPr/>
+        </p:nvGrpSpPr>
+        <p:grpSpPr>
+          <a:xfrm>
+            <a:off x="3117170" y="2172132"/>
+            <a:ext cx="2123284" cy="896579"/>
+            <a:chOff x="3117170" y="2172132"/>
+            <a:chExt cx="2123284" cy="896579"/>
+          </a:xfrm>
+        </p:grpSpPr>
+        <p:sp>
+          <p:nvSpPr>
+            <p:cNvPr id="35" name="Rounded Rectangle 34"/>
+            <p:cNvSpPr/>
+            <p:nvPr/>
+          </p:nvSpPr>
+          <p:spPr>
+            <a:xfrm>
+              <a:off x="4233694" y="2172132"/>
+              <a:ext cx="224186" cy="242176"/>
+            </a:xfrm>
+            <a:prstGeom prst="roundRect">
+              <a:avLst/>
+            </a:prstGeom>
+            <a:noFill/>
+            <a:ln w="31750">
+              <a:solidFill>
+                <a:schemeClr val="accent6">
+                  <a:alpha val="97000"/>
+                </a:schemeClr>
+              </a:solidFill>
+            </a:ln>
+          </p:spPr>
+          <p:style>
+            <a:lnRef idx="2">
+              <a:schemeClr val="accent1">
+                <a:shade val="50000"/>
+              </a:schemeClr>
+            </a:lnRef>
+            <a:fillRef idx="1">
+              <a:schemeClr val="accent1"/>
+            </a:fillRef>
+            <a:effectRef idx="0">
+              <a:schemeClr val="accent1"/>
+            </a:effectRef>
+            <a:fontRef idx="minor">
+              <a:schemeClr val="lt1"/>
+            </a:fontRef>
+          </p:style>
+          <p:txBody>
+            <a:bodyPr lIns="0" tIns="0" rIns="0" bIns="0" rtlCol="0" anchor="ctr"/>
+            <a:lstStyle/>
+            <a:p>
+              <a:pPr algn="ctr"/>
+              <a:r>
+                <a:rPr lang="en-US" dirty="0" smtClean="0">
+                  <a:solidFill>
+                    <a:schemeClr val="tx1"/>
+                  </a:solidFill>
+                </a:rPr>
+                <a:t>c</a:t>
+              </a:r>
+              <a:endParaRPr lang="en-CA" dirty="0">
+                <a:solidFill>
+                  <a:schemeClr val="tx1"/>
+                </a:solidFill>
+              </a:endParaRPr>
+            </a:p>
+          </p:txBody>
+        </p:sp>
+        <p:grpSp>
+          <p:nvGrpSpPr>
+            <p:cNvPr id="62" name="Group 61"/>
+            <p:cNvGrpSpPr/>
+            <p:nvPr/>
+          </p:nvGrpSpPr>
+          <p:grpSpPr>
+            <a:xfrm>
+              <a:off x="4345787" y="2414308"/>
+              <a:ext cx="894667" cy="654403"/>
+              <a:chOff x="4652579" y="2526215"/>
+              <a:chExt cx="894667" cy="654403"/>
+            </a:xfrm>
+          </p:grpSpPr>
+          <p:sp>
+            <p:nvSpPr>
+              <p:cNvPr id="5" name="Rounded Rectangle 4"/>
+              <p:cNvSpPr/>
+              <p:nvPr/>
+            </p:nvSpPr>
+            <p:spPr>
+              <a:xfrm>
+                <a:off x="4986648" y="2938442"/>
+                <a:ext cx="224186" cy="242176"/>
+              </a:xfrm>
+              <a:prstGeom prst="roundRect">
+                <a:avLst/>
+              </a:prstGeom>
+              <a:noFill/>
+              <a:ln w="31750">
+                <a:solidFill>
+                  <a:schemeClr val="accent6">
+                    <a:alpha val="97000"/>
+                  </a:schemeClr>
+                </a:solidFill>
+              </a:ln>
+            </p:spPr>
+            <p:style>
+              <a:lnRef idx="2">
+                <a:schemeClr val="accent1">
+                  <a:shade val="50000"/>
+                </a:schemeClr>
+              </a:lnRef>
+              <a:fillRef idx="1">
+                <a:schemeClr val="accent1"/>
+              </a:fillRef>
+              <a:effectRef idx="0">
+                <a:schemeClr val="accent1"/>
+              </a:effectRef>
+              <a:fontRef idx="minor">
+                <a:schemeClr val="lt1"/>
+              </a:fontRef>
+            </p:style>
+            <p:txBody>
+              <a:bodyPr lIns="0" tIns="0" rIns="0" bIns="0" rtlCol="0" anchor="ctr"/>
+              <a:lstStyle/>
+              <a:p>
+                <a:pPr algn="ctr"/>
+                <a:endParaRPr lang="en-CA" dirty="0">
+                  <a:solidFill>
+                    <a:schemeClr val="tx1"/>
+                  </a:solidFill>
+                </a:endParaRPr>
+              </a:p>
+            </p:txBody>
+          </p:sp>
+          <p:sp>
+            <p:nvSpPr>
+              <p:cNvPr id="7" name="Rounded Rectangle 6"/>
+              <p:cNvSpPr/>
+              <p:nvPr/>
+            </p:nvSpPr>
+            <p:spPr>
+              <a:xfrm>
+                <a:off x="5323060" y="2934265"/>
+                <a:ext cx="224186" cy="242176"/>
+              </a:xfrm>
+              <a:prstGeom prst="roundRect">
+                <a:avLst/>
+              </a:prstGeom>
+              <a:noFill/>
+              <a:ln w="31750">
+                <a:solidFill>
+                  <a:schemeClr val="accent6">
+                    <a:alpha val="97000"/>
+                  </a:schemeClr>
+                </a:solidFill>
+              </a:ln>
+            </p:spPr>
+            <p:style>
+              <a:lnRef idx="2">
+                <a:schemeClr val="accent1">
+                  <a:shade val="50000"/>
+                </a:schemeClr>
+              </a:lnRef>
+              <a:fillRef idx="1">
+                <a:schemeClr val="accent1"/>
+              </a:fillRef>
+              <a:effectRef idx="0">
+                <a:schemeClr val="accent1"/>
+              </a:effectRef>
+              <a:fontRef idx="minor">
+                <a:schemeClr val="lt1"/>
+              </a:fontRef>
+            </p:style>
+            <p:txBody>
+              <a:bodyPr lIns="0" tIns="0" rIns="0" bIns="0" rtlCol="0" anchor="ctr"/>
+              <a:lstStyle/>
+              <a:p>
+                <a:pPr algn="ctr"/>
+                <a:endParaRPr lang="en-CA" dirty="0">
+                  <a:solidFill>
+                    <a:schemeClr val="tx1"/>
+                  </a:solidFill>
+                </a:endParaRPr>
+              </a:p>
+            </p:txBody>
+          </p:sp>
+          <p:cxnSp>
+            <p:nvCxnSpPr>
+              <p:cNvPr id="36" name="Straight Arrow Connector 35"/>
+              <p:cNvCxnSpPr>
+                <a:stCxn id="7" idx="0"/>
+                <a:endCxn id="35" idx="2"/>
+              </p:cNvCxnSpPr>
+              <p:nvPr/>
+            </p:nvCxnSpPr>
+            <p:spPr>
+              <a:xfrm flipH="1" flipV="1">
+                <a:off x="4652579" y="2526215"/>
+                <a:ext cx="782574" cy="408050"/>
+              </a:xfrm>
+              <a:prstGeom prst="straightConnector1">
+                <a:avLst/>
+              </a:prstGeom>
+              <a:ln>
+                <a:tailEnd type="triangle"/>
+              </a:ln>
+            </p:spPr>
+            <p:style>
+              <a:lnRef idx="1">
+                <a:schemeClr val="accent1"/>
+              </a:lnRef>
+              <a:fillRef idx="0">
+                <a:schemeClr val="accent1"/>
+              </a:fillRef>
+              <a:effectRef idx="0">
+                <a:schemeClr val="accent1"/>
+              </a:effectRef>
+              <a:fontRef idx="minor">
+                <a:schemeClr val="tx1"/>
+              </a:fontRef>
+            </p:style>
+          </p:cxnSp>
+          <p:cxnSp>
+            <p:nvCxnSpPr>
+              <p:cNvPr id="43" name="Straight Arrow Connector 42"/>
+              <p:cNvCxnSpPr>
+                <a:stCxn id="5" idx="0"/>
+                <a:endCxn id="35" idx="2"/>
+              </p:cNvCxnSpPr>
+              <p:nvPr/>
+            </p:nvCxnSpPr>
+            <p:spPr>
+              <a:xfrm flipH="1" flipV="1">
+                <a:off x="4652579" y="2526215"/>
+                <a:ext cx="446162" cy="412227"/>
+              </a:xfrm>
+              <a:prstGeom prst="straightConnector1">
+                <a:avLst/>
+              </a:prstGeom>
+              <a:ln>
+                <a:tailEnd type="triangle"/>
+              </a:ln>
+            </p:spPr>
+            <p:style>
+              <a:lnRef idx="1">
+                <a:schemeClr val="accent1"/>
+              </a:lnRef>
+              <a:fillRef idx="0">
+                <a:schemeClr val="accent1"/>
+              </a:fillRef>
+              <a:effectRef idx="0">
+                <a:schemeClr val="accent1"/>
+              </a:effectRef>
+              <a:fontRef idx="minor">
+                <a:schemeClr val="tx1"/>
+              </a:fontRef>
+            </p:style>
+          </p:cxnSp>
+          <p:sp>
+            <p:nvSpPr>
+              <p:cNvPr id="46" name="TextBox 45"/>
+              <p:cNvSpPr txBox="1"/>
+              <p:nvPr/>
+            </p:nvSpPr>
+            <p:spPr>
+              <a:xfrm>
+                <a:off x="5052412" y="2703629"/>
+                <a:ext cx="169507" cy="230832"/>
+              </a:xfrm>
+              <a:prstGeom prst="rect">
+                <a:avLst/>
+              </a:prstGeom>
+              <a:noFill/>
+            </p:spPr>
+            <p:txBody>
+              <a:bodyPr wrap="square" lIns="0" tIns="0" rIns="0" bIns="0" rtlCol="0" anchor="ctr" anchorCtr="0">
+                <a:spAutoFit/>
+              </a:bodyPr>
+              <a:lstStyle/>
+              <a:p>
+                <a:pPr algn="ctr"/>
+                <a:r>
+                  <a:rPr lang="en-US" sz="1500" dirty="0" smtClean="0"/>
+                  <a:t>-2</a:t>
+                </a:r>
+                <a:endParaRPr lang="en-CA" sz="1500" dirty="0"/>
+              </a:p>
+            </p:txBody>
+          </p:sp>
+          <p:sp>
+            <p:nvSpPr>
+              <p:cNvPr id="47" name="TextBox 46"/>
+              <p:cNvSpPr txBox="1"/>
+              <p:nvPr/>
+            </p:nvSpPr>
+            <p:spPr>
+              <a:xfrm>
+                <a:off x="5354293" y="2703473"/>
+                <a:ext cx="176615" cy="230832"/>
+              </a:xfrm>
+              <a:prstGeom prst="rect">
+                <a:avLst/>
+              </a:prstGeom>
+              <a:noFill/>
+            </p:spPr>
+            <p:txBody>
+              <a:bodyPr wrap="square" lIns="0" tIns="0" rIns="0" bIns="0" rtlCol="0" anchor="ctr" anchorCtr="0">
+                <a:spAutoFit/>
+              </a:bodyPr>
+              <a:lstStyle/>
+              <a:p>
+                <a:pPr algn="ctr"/>
+                <a:r>
+                  <a:rPr lang="en-US" sz="1500" dirty="0" smtClean="0"/>
+                  <a:t>-1</a:t>
+                </a:r>
+                <a:endParaRPr lang="en-CA" sz="1500" dirty="0"/>
+              </a:p>
+            </p:txBody>
+          </p:sp>
+        </p:grpSp>
+        <p:sp>
+          <p:nvSpPr>
+            <p:cNvPr id="34" name="Rounded Rectangle 33"/>
+            <p:cNvSpPr/>
+            <p:nvPr/>
+          </p:nvSpPr>
+          <p:spPr>
+            <a:xfrm>
+              <a:off x="3117170" y="2823849"/>
+              <a:ext cx="224186" cy="242176"/>
+            </a:xfrm>
+            <a:prstGeom prst="roundRect">
+              <a:avLst/>
+            </a:prstGeom>
+            <a:noFill/>
+            <a:ln w="31750">
+              <a:solidFill>
+                <a:schemeClr val="accent6">
+                  <a:alpha val="97000"/>
+                </a:schemeClr>
+              </a:solidFill>
+            </a:ln>
+          </p:spPr>
+          <p:style>
+            <a:lnRef idx="2">
+              <a:schemeClr val="accent1">
+                <a:shade val="50000"/>
+              </a:schemeClr>
+            </a:lnRef>
+            <a:fillRef idx="1">
+              <a:schemeClr val="accent1"/>
+            </a:fillRef>
+            <a:effectRef idx="0">
+              <a:schemeClr val="accent1"/>
+            </a:effectRef>
+            <a:fontRef idx="minor">
+              <a:schemeClr val="lt1"/>
+            </a:fontRef>
+          </p:style>
+          <p:txBody>
+            <a:bodyPr lIns="0" tIns="0" rIns="0" bIns="0" rtlCol="0" anchor="ctr"/>
+            <a:lstStyle/>
+            <a:p>
+              <a:pPr algn="ctr"/>
+              <a:endParaRPr lang="en-CA" dirty="0">
+                <a:solidFill>
+                  <a:schemeClr val="tx1"/>
+                </a:solidFill>
+              </a:endParaRPr>
+            </a:p>
+          </p:txBody>
+        </p:sp>
+        <p:sp>
+          <p:nvSpPr>
+            <p:cNvPr id="37" name="Rounded Rectangle 36"/>
+            <p:cNvSpPr/>
+            <p:nvPr/>
+          </p:nvSpPr>
+          <p:spPr>
+            <a:xfrm>
+              <a:off x="3509558" y="2823235"/>
+              <a:ext cx="224186" cy="242176"/>
+            </a:xfrm>
+            <a:prstGeom prst="roundRect">
+              <a:avLst/>
+            </a:prstGeom>
+            <a:noFill/>
+            <a:ln w="31750">
+              <a:solidFill>
+                <a:schemeClr val="accent6">
+                  <a:alpha val="97000"/>
+                </a:schemeClr>
+              </a:solidFill>
+            </a:ln>
+          </p:spPr>
+          <p:style>
+            <a:lnRef idx="2">
+              <a:schemeClr val="accent1">
+                <a:shade val="50000"/>
+              </a:schemeClr>
+            </a:lnRef>
+            <a:fillRef idx="1">
+              <a:schemeClr val="accent1"/>
+            </a:fillRef>
+            <a:effectRef idx="0">
+              <a:schemeClr val="accent1"/>
+            </a:effectRef>
+            <a:fontRef idx="minor">
+              <a:schemeClr val="lt1"/>
+            </a:fontRef>
+          </p:style>
+          <p:txBody>
+            <a:bodyPr lIns="0" tIns="0" rIns="0" bIns="0" rtlCol="0" anchor="ctr"/>
+            <a:lstStyle/>
+            <a:p>
+              <a:pPr algn="ctr"/>
+              <a:endParaRPr lang="en-CA" dirty="0">
+                <a:solidFill>
+                  <a:schemeClr val="tx1"/>
+                </a:solidFill>
+              </a:endParaRPr>
+            </a:p>
+          </p:txBody>
+        </p:sp>
+        <p:cxnSp>
+          <p:nvCxnSpPr>
+            <p:cNvPr id="38" name="Straight Arrow Connector 37"/>
+            <p:cNvCxnSpPr>
+              <a:stCxn id="37" idx="0"/>
+              <a:endCxn id="35" idx="2"/>
+            </p:cNvCxnSpPr>
+            <p:nvPr/>
+          </p:nvCxnSpPr>
+          <p:spPr>
+            <a:xfrm flipV="1">
+              <a:off x="3621651" y="2414308"/>
+              <a:ext cx="724136" cy="408927"/>
+            </a:xfrm>
+            <a:prstGeom prst="straightConnector1">
+              <a:avLst/>
+            </a:prstGeom>
+            <a:ln>
+              <a:tailEnd type="triangle"/>
+            </a:ln>
+          </p:spPr>
+          <p:style>
+            <a:lnRef idx="1">
+              <a:schemeClr val="accent1"/>
+            </a:lnRef>
+            <a:fillRef idx="0">
+              <a:schemeClr val="accent1"/>
+            </a:fillRef>
+            <a:effectRef idx="0">
+              <a:schemeClr val="accent1"/>
+            </a:effectRef>
+            <a:fontRef idx="minor">
+              <a:schemeClr val="tx1"/>
+            </a:fontRef>
+          </p:style>
+        </p:cxnSp>
+        <p:cxnSp>
+          <p:nvCxnSpPr>
+            <p:cNvPr id="39" name="Straight Arrow Connector 38"/>
+            <p:cNvCxnSpPr>
+              <a:stCxn id="34" idx="0"/>
+              <a:endCxn id="35" idx="2"/>
+            </p:cNvCxnSpPr>
+            <p:nvPr/>
+          </p:nvCxnSpPr>
+          <p:spPr>
+            <a:xfrm flipV="1">
+              <a:off x="3229263" y="2414308"/>
+              <a:ext cx="1116524" cy="409541"/>
+            </a:xfrm>
+            <a:prstGeom prst="straightConnector1">
+              <a:avLst/>
+            </a:prstGeom>
+            <a:ln>
+              <a:tailEnd type="triangle"/>
+            </a:ln>
+          </p:spPr>
+          <p:style>
+            <a:lnRef idx="1">
+              <a:schemeClr val="accent1"/>
+            </a:lnRef>
+            <a:fillRef idx="0">
+              <a:schemeClr val="accent1"/>
+            </a:fillRef>
+            <a:effectRef idx="0">
+              <a:schemeClr val="accent1"/>
+            </a:effectRef>
+            <a:fontRef idx="minor">
+              <a:schemeClr val="tx1"/>
+            </a:fontRef>
+          </p:style>
+        </p:cxnSp>
+        <p:sp>
+          <p:nvSpPr>
+            <p:cNvPr id="40" name="TextBox 39"/>
+            <p:cNvSpPr txBox="1"/>
+            <p:nvPr/>
+          </p:nvSpPr>
+          <p:spPr>
+            <a:xfrm>
+              <a:off x="3117170" y="2592403"/>
+              <a:ext cx="164585" cy="230832"/>
+            </a:xfrm>
+            <a:prstGeom prst="rect">
+              <a:avLst/>
+            </a:prstGeom>
+            <a:noFill/>
+          </p:spPr>
+          <p:txBody>
+            <a:bodyPr wrap="square" lIns="0" tIns="0" rIns="0" bIns="0" rtlCol="0" anchor="ctr" anchorCtr="0">
+              <a:spAutoFit/>
+            </a:bodyPr>
+            <a:lstStyle/>
+            <a:p>
+              <a:pPr algn="ctr"/>
+              <a:r>
+                <a:rPr lang="en-US" sz="1500" dirty="0" smtClean="0"/>
+                <a:t>0</a:t>
+              </a:r>
+              <a:endParaRPr lang="en-CA" sz="1500" dirty="0"/>
+            </a:p>
+          </p:txBody>
+        </p:sp>
+        <p:sp>
+          <p:nvSpPr>
+            <p:cNvPr id="41" name="TextBox 40"/>
+            <p:cNvSpPr txBox="1"/>
+            <p:nvPr/>
+          </p:nvSpPr>
+          <p:spPr>
+            <a:xfrm>
+              <a:off x="3509558" y="2592403"/>
+              <a:ext cx="176615" cy="230832"/>
+            </a:xfrm>
+            <a:prstGeom prst="rect">
+              <a:avLst/>
+            </a:prstGeom>
+            <a:noFill/>
+          </p:spPr>
+          <p:txBody>
+            <a:bodyPr wrap="square" lIns="0" tIns="0" rIns="0" bIns="0" rtlCol="0" anchor="ctr" anchorCtr="0">
+              <a:spAutoFit/>
+            </a:bodyPr>
+            <a:lstStyle/>
+            <a:p>
+              <a:pPr algn="ctr"/>
+              <a:r>
+                <a:rPr lang="en-US" sz="1500" dirty="0" smtClean="0"/>
+                <a:t>1</a:t>
+              </a:r>
+              <a:endParaRPr lang="en-CA" sz="1500" dirty="0"/>
+            </a:p>
+          </p:txBody>
+        </p:sp>
+        <p:sp>
+          <p:nvSpPr>
+            <p:cNvPr id="63" name="Rounded Rectangle 62"/>
+            <p:cNvSpPr/>
+            <p:nvPr/>
+          </p:nvSpPr>
+          <p:spPr>
+            <a:xfrm>
+              <a:off x="3911933" y="2818897"/>
+              <a:ext cx="224186" cy="242176"/>
+            </a:xfrm>
+            <a:prstGeom prst="roundRect">
+              <a:avLst/>
+            </a:prstGeom>
+            <a:noFill/>
+            <a:ln w="31750">
+              <a:solidFill>
+                <a:schemeClr val="accent6">
+                  <a:alpha val="97000"/>
+                </a:schemeClr>
+              </a:solidFill>
+            </a:ln>
+          </p:spPr>
+          <p:style>
+            <a:lnRef idx="2">
+              <a:schemeClr val="accent1">
+                <a:shade val="50000"/>
+              </a:schemeClr>
+            </a:lnRef>
+            <a:fillRef idx="1">
+              <a:schemeClr val="accent1"/>
+            </a:fillRef>
+            <a:effectRef idx="0">
+              <a:schemeClr val="accent1"/>
+            </a:effectRef>
+            <a:fontRef idx="minor">
+              <a:schemeClr val="lt1"/>
+            </a:fontRef>
+          </p:style>
+          <p:txBody>
+            <a:bodyPr lIns="0" tIns="0" rIns="0" bIns="0" rtlCol="0" anchor="ctr"/>
+            <a:lstStyle/>
+            <a:p>
+              <a:pPr algn="ctr"/>
+              <a:endParaRPr lang="en-CA" dirty="0">
+                <a:solidFill>
+                  <a:schemeClr val="tx1"/>
+                </a:solidFill>
+              </a:endParaRPr>
+            </a:p>
+          </p:txBody>
+        </p:sp>
+        <p:cxnSp>
+          <p:nvCxnSpPr>
+            <p:cNvPr id="64" name="Straight Arrow Connector 63"/>
+            <p:cNvCxnSpPr>
+              <a:stCxn id="63" idx="0"/>
+              <a:endCxn id="35" idx="2"/>
+            </p:cNvCxnSpPr>
+            <p:nvPr/>
+          </p:nvCxnSpPr>
+          <p:spPr>
+            <a:xfrm flipV="1">
+              <a:off x="4024026" y="2414308"/>
+              <a:ext cx="321761" cy="404589"/>
+            </a:xfrm>
+            <a:prstGeom prst="straightConnector1">
+              <a:avLst/>
+            </a:prstGeom>
+            <a:ln>
+              <a:tailEnd type="triangle"/>
+            </a:ln>
+          </p:spPr>
+          <p:style>
+            <a:lnRef idx="1">
+              <a:schemeClr val="accent1"/>
+            </a:lnRef>
+            <a:fillRef idx="0">
+              <a:schemeClr val="accent1"/>
+            </a:fillRef>
+            <a:effectRef idx="0">
+              <a:schemeClr val="accent1"/>
+            </a:effectRef>
+            <a:fontRef idx="minor">
+              <a:schemeClr val="tx1"/>
+            </a:fontRef>
+          </p:style>
+        </p:cxnSp>
+        <p:sp>
+          <p:nvSpPr>
+            <p:cNvPr id="65" name="TextBox 64"/>
+            <p:cNvSpPr txBox="1"/>
+            <p:nvPr/>
+          </p:nvSpPr>
+          <p:spPr>
+            <a:xfrm>
+              <a:off x="3869391" y="2588042"/>
+              <a:ext cx="176615" cy="230832"/>
+            </a:xfrm>
+            <a:prstGeom prst="rect">
+              <a:avLst/>
+            </a:prstGeom>
+            <a:noFill/>
+          </p:spPr>
+          <p:txBody>
+            <a:bodyPr wrap="square" lIns="0" tIns="0" rIns="0" bIns="0" rtlCol="0" anchor="ctr" anchorCtr="0">
+              <a:spAutoFit/>
+            </a:bodyPr>
+            <a:lstStyle/>
+            <a:p>
+              <a:pPr algn="ctr"/>
+              <a:r>
+                <a:rPr lang="en-US" sz="1500" dirty="0" smtClean="0"/>
+                <a:t>2</a:t>
+              </a:r>
+              <a:endParaRPr lang="en-CA" sz="1500" dirty="0"/>
+            </a:p>
+          </p:txBody>
+        </p:sp>
+        <p:sp>
+          <p:nvSpPr>
+            <p:cNvPr id="66" name="TextBox 65"/>
+            <p:cNvSpPr txBox="1"/>
+            <p:nvPr/>
+          </p:nvSpPr>
+          <p:spPr>
+            <a:xfrm>
+              <a:off x="4328875" y="2833702"/>
+              <a:ext cx="176615" cy="230832"/>
+            </a:xfrm>
+            <a:prstGeom prst="rect">
+              <a:avLst/>
+            </a:prstGeom>
+            <a:noFill/>
+          </p:spPr>
+          <p:txBody>
+            <a:bodyPr wrap="square" lIns="0" tIns="0" rIns="0" bIns="0" rtlCol="0" anchor="ctr" anchorCtr="0">
+              <a:spAutoFit/>
+            </a:bodyPr>
+            <a:lstStyle/>
+            <a:p>
+              <a:pPr algn="ctr"/>
+              <a:r>
+                <a:rPr lang="en-US" sz="1500" dirty="0" smtClean="0"/>
+                <a:t>…</a:t>
+              </a:r>
+              <a:endParaRPr lang="en-CA" sz="1500" dirty="0"/>
+            </a:p>
+          </p:txBody>
+        </p:sp>
+      </p:grpSp>
     </p:spTree>
     <p:extLst>
       <p:ext uri="{BB962C8B-B14F-4D97-AF65-F5344CB8AC3E}">
@@ -4357,6 +4589,2621 @@
       </p:par>
     </p:tnLst>
   </p:timing>
+</p:sld>
+</file>
+
+<file path=ppt/slides/slide3.xml><?xml version="1.0" encoding="utf-8"?>
+<p:sld xmlns:a="http://schemas.openxmlformats.org/drawingml/2006/main" xmlns:r="http://schemas.openxmlformats.org/officeDocument/2006/relationships" xmlns:p="http://schemas.openxmlformats.org/presentationml/2006/main">
+  <p:cSld>
+    <p:spTree>
+      <p:nvGrpSpPr>
+        <p:cNvPr id="1" name=""/>
+        <p:cNvGrpSpPr/>
+        <p:nvPr/>
+      </p:nvGrpSpPr>
+      <p:grpSpPr>
+        <a:xfrm>
+          <a:off x="0" y="0"/>
+          <a:ext cx="0" cy="0"/>
+          <a:chOff x="0" y="0"/>
+          <a:chExt cx="0" cy="0"/>
+        </a:xfrm>
+      </p:grpSpPr>
+      <p:grpSp>
+        <p:nvGrpSpPr>
+          <p:cNvPr id="2" name="Group 1"/>
+          <p:cNvGrpSpPr/>
+          <p:nvPr/>
+        </p:nvGrpSpPr>
+        <p:grpSpPr>
+          <a:xfrm>
+            <a:off x="1216489" y="1958576"/>
+            <a:ext cx="593651" cy="1882268"/>
+            <a:chOff x="1906954" y="2729958"/>
+            <a:chExt cx="593651" cy="1882268"/>
+          </a:xfrm>
+        </p:grpSpPr>
+        <p:sp>
+          <p:nvSpPr>
+            <p:cNvPr id="3" name="Rounded Rectangle 2"/>
+            <p:cNvSpPr/>
+            <p:nvPr/>
+          </p:nvSpPr>
+          <p:spPr>
+            <a:xfrm>
+              <a:off x="1937405" y="3817060"/>
+              <a:ext cx="563200" cy="241200"/>
+            </a:xfrm>
+            <a:prstGeom prst="roundRect">
+              <a:avLst/>
+            </a:prstGeom>
+            <a:noFill/>
+            <a:ln w="31750">
+              <a:solidFill>
+                <a:schemeClr val="accent6">
+                  <a:alpha val="97000"/>
+                </a:schemeClr>
+              </a:solidFill>
+            </a:ln>
+          </p:spPr>
+          <p:style>
+            <a:lnRef idx="2">
+              <a:schemeClr val="accent1">
+                <a:shade val="50000"/>
+              </a:schemeClr>
+            </a:lnRef>
+            <a:fillRef idx="1">
+              <a:schemeClr val="accent1"/>
+            </a:fillRef>
+            <a:effectRef idx="0">
+              <a:schemeClr val="accent1"/>
+            </a:effectRef>
+            <a:fontRef idx="minor">
+              <a:schemeClr val="lt1"/>
+            </a:fontRef>
+          </p:style>
+          <p:txBody>
+            <a:bodyPr lIns="0" tIns="0" rIns="0" bIns="0" rtlCol="0" anchor="ctr"/>
+            <a:lstStyle/>
+            <a:p>
+              <a:pPr algn="ctr"/>
+              <a:r>
+                <a:rPr lang="en-US" dirty="0" err="1" smtClean="0">
+                  <a:solidFill>
+                    <a:schemeClr val="tx1"/>
+                  </a:solidFill>
+                </a:rPr>
+                <a:t>elem</a:t>
+              </a:r>
+              <a:endParaRPr lang="en-CA" dirty="0">
+                <a:solidFill>
+                  <a:schemeClr val="tx1"/>
+                </a:solidFill>
+              </a:endParaRPr>
+            </a:p>
+          </p:txBody>
+        </p:sp>
+        <p:cxnSp>
+          <p:nvCxnSpPr>
+            <p:cNvPr id="4" name="Straight Arrow Connector 3"/>
+            <p:cNvCxnSpPr>
+              <a:stCxn id="3" idx="0"/>
+              <a:endCxn id="5" idx="2"/>
+            </p:cNvCxnSpPr>
+            <p:nvPr/>
+          </p:nvCxnSpPr>
+          <p:spPr>
+            <a:xfrm flipH="1" flipV="1">
+              <a:off x="2049498" y="3512050"/>
+              <a:ext cx="169507" cy="305010"/>
+            </a:xfrm>
+            <a:prstGeom prst="straightConnector1">
+              <a:avLst/>
+            </a:prstGeom>
+            <a:ln>
+              <a:tailEnd type="triangle"/>
+            </a:ln>
+          </p:spPr>
+          <p:style>
+            <a:lnRef idx="1">
+              <a:schemeClr val="accent1"/>
+            </a:lnRef>
+            <a:fillRef idx="0">
+              <a:schemeClr val="accent1"/>
+            </a:fillRef>
+            <a:effectRef idx="0">
+              <a:schemeClr val="accent1"/>
+            </a:effectRef>
+            <a:fontRef idx="minor">
+              <a:schemeClr val="tx1"/>
+            </a:fontRef>
+          </p:style>
+        </p:cxnSp>
+        <p:sp>
+          <p:nvSpPr>
+            <p:cNvPr id="5" name="Rounded Rectangle 4"/>
+            <p:cNvSpPr/>
+            <p:nvPr/>
+          </p:nvSpPr>
+          <p:spPr>
+            <a:xfrm>
+              <a:off x="1937405" y="3269874"/>
+              <a:ext cx="224186" cy="242176"/>
+            </a:xfrm>
+            <a:prstGeom prst="roundRect">
+              <a:avLst/>
+            </a:prstGeom>
+            <a:noFill/>
+            <a:ln w="31750">
+              <a:solidFill>
+                <a:schemeClr val="accent6">
+                  <a:alpha val="97000"/>
+                </a:schemeClr>
+              </a:solidFill>
+            </a:ln>
+          </p:spPr>
+          <p:style>
+            <a:lnRef idx="2">
+              <a:schemeClr val="accent1">
+                <a:shade val="50000"/>
+              </a:schemeClr>
+            </a:lnRef>
+            <a:fillRef idx="1">
+              <a:schemeClr val="accent1"/>
+            </a:fillRef>
+            <a:effectRef idx="0">
+              <a:schemeClr val="accent1"/>
+            </a:effectRef>
+            <a:fontRef idx="minor">
+              <a:schemeClr val="lt1"/>
+            </a:fontRef>
+          </p:style>
+          <p:txBody>
+            <a:bodyPr lIns="0" tIns="0" rIns="0" bIns="0" rtlCol="0" anchor="ctr"/>
+            <a:lstStyle/>
+            <a:p>
+              <a:pPr algn="ctr"/>
+              <a:endParaRPr lang="en-CA" dirty="0">
+                <a:solidFill>
+                  <a:schemeClr val="tx1"/>
+                </a:solidFill>
+              </a:endParaRPr>
+            </a:p>
+          </p:txBody>
+        </p:sp>
+        <p:cxnSp>
+          <p:nvCxnSpPr>
+            <p:cNvPr id="6" name="Straight Arrow Connector 5"/>
+            <p:cNvCxnSpPr>
+              <a:stCxn id="5" idx="0"/>
+              <a:endCxn id="7" idx="2"/>
+            </p:cNvCxnSpPr>
+            <p:nvPr/>
+          </p:nvCxnSpPr>
+          <p:spPr>
+            <a:xfrm flipV="1">
+              <a:off x="2049498" y="2972134"/>
+              <a:ext cx="163284" cy="297740"/>
+            </a:xfrm>
+            <a:prstGeom prst="straightConnector1">
+              <a:avLst/>
+            </a:prstGeom>
+            <a:ln>
+              <a:tailEnd type="triangle"/>
+            </a:ln>
+          </p:spPr>
+          <p:style>
+            <a:lnRef idx="1">
+              <a:schemeClr val="accent1"/>
+            </a:lnRef>
+            <a:fillRef idx="0">
+              <a:schemeClr val="accent1"/>
+            </a:fillRef>
+            <a:effectRef idx="0">
+              <a:schemeClr val="accent1"/>
+            </a:effectRef>
+            <a:fontRef idx="minor">
+              <a:schemeClr val="tx1"/>
+            </a:fontRef>
+          </p:style>
+        </p:cxnSp>
+        <p:sp>
+          <p:nvSpPr>
+            <p:cNvPr id="7" name="Rounded Rectangle 6"/>
+            <p:cNvSpPr/>
+            <p:nvPr/>
+          </p:nvSpPr>
+          <p:spPr>
+            <a:xfrm>
+              <a:off x="2100689" y="2729958"/>
+              <a:ext cx="224186" cy="242176"/>
+            </a:xfrm>
+            <a:prstGeom prst="roundRect">
+              <a:avLst/>
+            </a:prstGeom>
+            <a:noFill/>
+            <a:ln w="31750">
+              <a:solidFill>
+                <a:schemeClr val="accent6">
+                  <a:alpha val="97000"/>
+                </a:schemeClr>
+              </a:solidFill>
+            </a:ln>
+          </p:spPr>
+          <p:style>
+            <a:lnRef idx="2">
+              <a:schemeClr val="accent1">
+                <a:shade val="50000"/>
+              </a:schemeClr>
+            </a:lnRef>
+            <a:fillRef idx="1">
+              <a:schemeClr val="accent1"/>
+            </a:fillRef>
+            <a:effectRef idx="0">
+              <a:schemeClr val="accent1"/>
+            </a:effectRef>
+            <a:fontRef idx="minor">
+              <a:schemeClr val="lt1"/>
+            </a:fontRef>
+          </p:style>
+          <p:txBody>
+            <a:bodyPr lIns="0" tIns="0" rIns="0" bIns="0" rtlCol="0" anchor="ctr"/>
+            <a:lstStyle/>
+            <a:p>
+              <a:pPr algn="ctr"/>
+              <a:endParaRPr lang="en-CA" dirty="0">
+                <a:solidFill>
+                  <a:schemeClr val="tx1"/>
+                </a:solidFill>
+              </a:endParaRPr>
+            </a:p>
+          </p:txBody>
+        </p:sp>
+        <p:sp>
+          <p:nvSpPr>
+            <p:cNvPr id="8" name="Rounded Rectangle 7"/>
+            <p:cNvSpPr/>
+            <p:nvPr/>
+          </p:nvSpPr>
+          <p:spPr>
+            <a:xfrm>
+              <a:off x="1906954" y="4370050"/>
+              <a:ext cx="224186" cy="242176"/>
+            </a:xfrm>
+            <a:prstGeom prst="roundRect">
+              <a:avLst/>
+            </a:prstGeom>
+            <a:noFill/>
+            <a:ln w="31750">
+              <a:solidFill>
+                <a:schemeClr val="accent6">
+                  <a:alpha val="97000"/>
+                </a:schemeClr>
+              </a:solidFill>
+            </a:ln>
+          </p:spPr>
+          <p:style>
+            <a:lnRef idx="2">
+              <a:schemeClr val="accent1">
+                <a:shade val="50000"/>
+              </a:schemeClr>
+            </a:lnRef>
+            <a:fillRef idx="1">
+              <a:schemeClr val="accent1"/>
+            </a:fillRef>
+            <a:effectRef idx="0">
+              <a:schemeClr val="accent1"/>
+            </a:effectRef>
+            <a:fontRef idx="minor">
+              <a:schemeClr val="lt1"/>
+            </a:fontRef>
+          </p:style>
+          <p:txBody>
+            <a:bodyPr lIns="0" tIns="0" rIns="0" bIns="0" rtlCol="0" anchor="ctr"/>
+            <a:lstStyle/>
+            <a:p>
+              <a:pPr algn="ctr"/>
+              <a:endParaRPr lang="en-CA" dirty="0">
+                <a:solidFill>
+                  <a:schemeClr val="tx1"/>
+                </a:solidFill>
+              </a:endParaRPr>
+            </a:p>
+          </p:txBody>
+        </p:sp>
+        <p:cxnSp>
+          <p:nvCxnSpPr>
+            <p:cNvPr id="9" name="Straight Arrow Connector 8"/>
+            <p:cNvCxnSpPr>
+              <a:stCxn id="8" idx="0"/>
+              <a:endCxn id="3" idx="2"/>
+            </p:cNvCxnSpPr>
+            <p:nvPr/>
+          </p:nvCxnSpPr>
+          <p:spPr>
+            <a:xfrm flipV="1">
+              <a:off x="2019047" y="4058260"/>
+              <a:ext cx="199958" cy="311790"/>
+            </a:xfrm>
+            <a:prstGeom prst="straightConnector1">
+              <a:avLst/>
+            </a:prstGeom>
+            <a:ln>
+              <a:tailEnd type="triangle"/>
+            </a:ln>
+          </p:spPr>
+          <p:style>
+            <a:lnRef idx="1">
+              <a:schemeClr val="accent1"/>
+            </a:lnRef>
+            <a:fillRef idx="0">
+              <a:schemeClr val="accent1"/>
+            </a:fillRef>
+            <a:effectRef idx="0">
+              <a:schemeClr val="accent1"/>
+            </a:effectRef>
+            <a:fontRef idx="minor">
+              <a:schemeClr val="tx1"/>
+            </a:fontRef>
+          </p:style>
+        </p:cxnSp>
+        <p:sp>
+          <p:nvSpPr>
+            <p:cNvPr id="10" name="TextBox 9"/>
+            <p:cNvSpPr txBox="1"/>
+            <p:nvPr/>
+          </p:nvSpPr>
+          <p:spPr>
+            <a:xfrm>
+              <a:off x="1952178" y="4108349"/>
+              <a:ext cx="121297" cy="230832"/>
+            </a:xfrm>
+            <a:prstGeom prst="rect">
+              <a:avLst/>
+            </a:prstGeom>
+            <a:noFill/>
+          </p:spPr>
+          <p:txBody>
+            <a:bodyPr wrap="square" lIns="0" tIns="0" rIns="0" bIns="0" rtlCol="0" anchor="ctr" anchorCtr="0">
+              <a:spAutoFit/>
+            </a:bodyPr>
+            <a:lstStyle/>
+            <a:p>
+              <a:pPr algn="ctr"/>
+              <a:r>
+                <a:rPr lang="en-US" sz="1500" dirty="0" smtClean="0"/>
+                <a:t>0</a:t>
+              </a:r>
+              <a:endParaRPr lang="en-CA" sz="1500" dirty="0"/>
+            </a:p>
+          </p:txBody>
+        </p:sp>
+      </p:grpSp>
+      <p:grpSp>
+        <p:nvGrpSpPr>
+          <p:cNvPr id="11" name="Group 10"/>
+          <p:cNvGrpSpPr/>
+          <p:nvPr/>
+        </p:nvGrpSpPr>
+        <p:grpSpPr>
+          <a:xfrm>
+            <a:off x="2041057" y="2504481"/>
+            <a:ext cx="1233321" cy="1336363"/>
+            <a:chOff x="3114744" y="1733432"/>
+            <a:chExt cx="1233321" cy="1336363"/>
+          </a:xfrm>
+        </p:grpSpPr>
+        <p:sp>
+          <p:nvSpPr>
+            <p:cNvPr id="12" name="Rounded Rectangle 11"/>
+            <p:cNvSpPr/>
+            <p:nvPr/>
+          </p:nvSpPr>
+          <p:spPr>
+            <a:xfrm>
+              <a:off x="3284251" y="2271080"/>
+              <a:ext cx="224186" cy="242176"/>
+            </a:xfrm>
+            <a:prstGeom prst="roundRect">
+              <a:avLst/>
+            </a:prstGeom>
+            <a:noFill/>
+            <a:ln w="31750">
+              <a:solidFill>
+                <a:schemeClr val="accent6">
+                  <a:alpha val="97000"/>
+                </a:schemeClr>
+              </a:solidFill>
+            </a:ln>
+          </p:spPr>
+          <p:style>
+            <a:lnRef idx="2">
+              <a:schemeClr val="accent1">
+                <a:shade val="50000"/>
+              </a:schemeClr>
+            </a:lnRef>
+            <a:fillRef idx="1">
+              <a:schemeClr val="accent1"/>
+            </a:fillRef>
+            <a:effectRef idx="0">
+              <a:schemeClr val="accent1"/>
+            </a:effectRef>
+            <a:fontRef idx="minor">
+              <a:schemeClr val="lt1"/>
+            </a:fontRef>
+          </p:style>
+          <p:txBody>
+            <a:bodyPr lIns="0" tIns="0" rIns="0" bIns="0" rtlCol="0" anchor="ctr"/>
+            <a:lstStyle/>
+            <a:p>
+              <a:pPr algn="ctr"/>
+              <a:r>
+                <a:rPr lang="en-US" dirty="0" smtClean="0">
+                  <a:solidFill>
+                    <a:schemeClr val="tx1"/>
+                  </a:solidFill>
+                </a:rPr>
+                <a:t>b</a:t>
+              </a:r>
+              <a:endParaRPr lang="en-CA" dirty="0">
+                <a:solidFill>
+                  <a:schemeClr val="tx1"/>
+                </a:solidFill>
+              </a:endParaRPr>
+            </a:p>
+          </p:txBody>
+        </p:sp>
+        <p:sp>
+          <p:nvSpPr>
+            <p:cNvPr id="13" name="Rounded Rectangle 12"/>
+            <p:cNvSpPr/>
+            <p:nvPr/>
+          </p:nvSpPr>
+          <p:spPr>
+            <a:xfrm>
+              <a:off x="3732623" y="2273123"/>
+              <a:ext cx="224186" cy="242176"/>
+            </a:xfrm>
+            <a:prstGeom prst="roundRect">
+              <a:avLst/>
+            </a:prstGeom>
+            <a:noFill/>
+            <a:ln w="31750">
+              <a:solidFill>
+                <a:schemeClr val="accent6">
+                  <a:alpha val="97000"/>
+                </a:schemeClr>
+              </a:solidFill>
+            </a:ln>
+          </p:spPr>
+          <p:style>
+            <a:lnRef idx="2">
+              <a:schemeClr val="accent1">
+                <a:shade val="50000"/>
+              </a:schemeClr>
+            </a:lnRef>
+            <a:fillRef idx="1">
+              <a:schemeClr val="accent1"/>
+            </a:fillRef>
+            <a:effectRef idx="0">
+              <a:schemeClr val="accent1"/>
+            </a:effectRef>
+            <a:fontRef idx="minor">
+              <a:schemeClr val="lt1"/>
+            </a:fontRef>
+          </p:style>
+          <p:txBody>
+            <a:bodyPr lIns="0" tIns="0" rIns="0" bIns="0" rtlCol="0" anchor="ctr"/>
+            <a:lstStyle/>
+            <a:p>
+              <a:pPr algn="ctr"/>
+              <a:endParaRPr lang="en-CA" dirty="0">
+                <a:solidFill>
+                  <a:schemeClr val="tx1"/>
+                </a:solidFill>
+              </a:endParaRPr>
+            </a:p>
+          </p:txBody>
+        </p:sp>
+        <p:sp>
+          <p:nvSpPr>
+            <p:cNvPr id="14" name="Rounded Rectangle 13"/>
+            <p:cNvSpPr/>
+            <p:nvPr/>
+          </p:nvSpPr>
+          <p:spPr>
+            <a:xfrm>
+              <a:off x="3372116" y="2827619"/>
+              <a:ext cx="224186" cy="242176"/>
+            </a:xfrm>
+            <a:prstGeom prst="roundRect">
+              <a:avLst/>
+            </a:prstGeom>
+            <a:noFill/>
+            <a:ln w="31750">
+              <a:solidFill>
+                <a:schemeClr val="accent6">
+                  <a:alpha val="97000"/>
+                </a:schemeClr>
+              </a:solidFill>
+            </a:ln>
+          </p:spPr>
+          <p:style>
+            <a:lnRef idx="2">
+              <a:schemeClr val="accent1">
+                <a:shade val="50000"/>
+              </a:schemeClr>
+            </a:lnRef>
+            <a:fillRef idx="1">
+              <a:schemeClr val="accent1"/>
+            </a:fillRef>
+            <a:effectRef idx="0">
+              <a:schemeClr val="accent1"/>
+            </a:effectRef>
+            <a:fontRef idx="minor">
+              <a:schemeClr val="lt1"/>
+            </a:fontRef>
+          </p:style>
+          <p:txBody>
+            <a:bodyPr lIns="0" tIns="0" rIns="0" bIns="0" rtlCol="0" anchor="ctr"/>
+            <a:lstStyle/>
+            <a:p>
+              <a:pPr algn="ctr"/>
+              <a:endParaRPr lang="en-CA" dirty="0">
+                <a:solidFill>
+                  <a:schemeClr val="tx1"/>
+                </a:solidFill>
+              </a:endParaRPr>
+            </a:p>
+          </p:txBody>
+        </p:sp>
+        <p:cxnSp>
+          <p:nvCxnSpPr>
+            <p:cNvPr id="15" name="Straight Arrow Connector 14"/>
+            <p:cNvCxnSpPr>
+              <a:stCxn id="14" idx="0"/>
+              <a:endCxn id="12" idx="2"/>
+            </p:cNvCxnSpPr>
+            <p:nvPr/>
+          </p:nvCxnSpPr>
+          <p:spPr>
+            <a:xfrm flipH="1" flipV="1">
+              <a:off x="3396344" y="2513256"/>
+              <a:ext cx="87865" cy="314363"/>
+            </a:xfrm>
+            <a:prstGeom prst="straightConnector1">
+              <a:avLst/>
+            </a:prstGeom>
+            <a:ln>
+              <a:tailEnd type="triangle"/>
+            </a:ln>
+          </p:spPr>
+          <p:style>
+            <a:lnRef idx="1">
+              <a:schemeClr val="accent1"/>
+            </a:lnRef>
+            <a:fillRef idx="0">
+              <a:schemeClr val="accent1"/>
+            </a:fillRef>
+            <a:effectRef idx="0">
+              <a:schemeClr val="accent1"/>
+            </a:effectRef>
+            <a:fontRef idx="minor">
+              <a:schemeClr val="tx1"/>
+            </a:fontRef>
+          </p:style>
+        </p:cxnSp>
+        <p:sp>
+          <p:nvSpPr>
+            <p:cNvPr id="16" name="TextBox 15"/>
+            <p:cNvSpPr txBox="1"/>
+            <p:nvPr/>
+          </p:nvSpPr>
+          <p:spPr>
+            <a:xfrm>
+              <a:off x="3434449" y="2565687"/>
+              <a:ext cx="238455" cy="230832"/>
+            </a:xfrm>
+            <a:prstGeom prst="rect">
+              <a:avLst/>
+            </a:prstGeom>
+            <a:noFill/>
+          </p:spPr>
+          <p:txBody>
+            <a:bodyPr wrap="square" lIns="0" tIns="0" rIns="0" bIns="0" rtlCol="0" anchor="ctr" anchorCtr="0">
+              <a:spAutoFit/>
+            </a:bodyPr>
+            <a:lstStyle/>
+            <a:p>
+              <a:pPr algn="ctr"/>
+              <a:r>
+                <a:rPr lang="en-US" sz="1500" dirty="0" smtClean="0"/>
+                <a:t>-1</a:t>
+              </a:r>
+              <a:endParaRPr lang="en-CA" sz="1500" dirty="0"/>
+            </a:p>
+          </p:txBody>
+        </p:sp>
+        <p:sp>
+          <p:nvSpPr>
+            <p:cNvPr id="17" name="Rounded Rectangle 16"/>
+            <p:cNvSpPr/>
+            <p:nvPr/>
+          </p:nvSpPr>
+          <p:spPr>
+            <a:xfrm>
+              <a:off x="3508437" y="1733432"/>
+              <a:ext cx="224186" cy="242176"/>
+            </a:xfrm>
+            <a:prstGeom prst="roundRect">
+              <a:avLst/>
+            </a:prstGeom>
+            <a:noFill/>
+            <a:ln w="31750">
+              <a:solidFill>
+                <a:schemeClr val="accent6">
+                  <a:alpha val="97000"/>
+                </a:schemeClr>
+              </a:solidFill>
+            </a:ln>
+          </p:spPr>
+          <p:style>
+            <a:lnRef idx="2">
+              <a:schemeClr val="accent1">
+                <a:shade val="50000"/>
+              </a:schemeClr>
+            </a:lnRef>
+            <a:fillRef idx="1">
+              <a:schemeClr val="accent1"/>
+            </a:fillRef>
+            <a:effectRef idx="0">
+              <a:schemeClr val="accent1"/>
+            </a:effectRef>
+            <a:fontRef idx="minor">
+              <a:schemeClr val="lt1"/>
+            </a:fontRef>
+          </p:style>
+          <p:txBody>
+            <a:bodyPr lIns="0" tIns="0" rIns="0" bIns="0" rtlCol="0" anchor="ctr"/>
+            <a:lstStyle/>
+            <a:p>
+              <a:pPr algn="ctr"/>
+              <a:endParaRPr lang="en-CA" dirty="0">
+                <a:solidFill>
+                  <a:schemeClr val="tx1"/>
+                </a:solidFill>
+              </a:endParaRPr>
+            </a:p>
+          </p:txBody>
+        </p:sp>
+        <p:cxnSp>
+          <p:nvCxnSpPr>
+            <p:cNvPr id="18" name="Straight Arrow Connector 17"/>
+            <p:cNvCxnSpPr>
+              <a:stCxn id="13" idx="0"/>
+              <a:endCxn id="17" idx="2"/>
+            </p:cNvCxnSpPr>
+            <p:nvPr/>
+          </p:nvCxnSpPr>
+          <p:spPr>
+            <a:xfrm flipH="1" flipV="1">
+              <a:off x="3620530" y="1975608"/>
+              <a:ext cx="224186" cy="297515"/>
+            </a:xfrm>
+            <a:prstGeom prst="straightConnector1">
+              <a:avLst/>
+            </a:prstGeom>
+            <a:ln>
+              <a:tailEnd type="triangle"/>
+            </a:ln>
+          </p:spPr>
+          <p:style>
+            <a:lnRef idx="1">
+              <a:schemeClr val="accent1"/>
+            </a:lnRef>
+            <a:fillRef idx="0">
+              <a:schemeClr val="accent1"/>
+            </a:fillRef>
+            <a:effectRef idx="0">
+              <a:schemeClr val="accent1"/>
+            </a:effectRef>
+            <a:fontRef idx="minor">
+              <a:schemeClr val="tx1"/>
+            </a:fontRef>
+          </p:style>
+        </p:cxnSp>
+        <p:cxnSp>
+          <p:nvCxnSpPr>
+            <p:cNvPr id="19" name="Straight Arrow Connector 18"/>
+            <p:cNvCxnSpPr>
+              <a:stCxn id="12" idx="0"/>
+              <a:endCxn id="17" idx="2"/>
+            </p:cNvCxnSpPr>
+            <p:nvPr/>
+          </p:nvCxnSpPr>
+          <p:spPr>
+            <a:xfrm flipV="1">
+              <a:off x="3396344" y="1975608"/>
+              <a:ext cx="224186" cy="295472"/>
+            </a:xfrm>
+            <a:prstGeom prst="straightConnector1">
+              <a:avLst/>
+            </a:prstGeom>
+            <a:ln>
+              <a:tailEnd type="triangle"/>
+            </a:ln>
+          </p:spPr>
+          <p:style>
+            <a:lnRef idx="1">
+              <a:schemeClr val="accent1"/>
+            </a:lnRef>
+            <a:fillRef idx="0">
+              <a:schemeClr val="accent1"/>
+            </a:fillRef>
+            <a:effectRef idx="0">
+              <a:schemeClr val="accent1"/>
+            </a:effectRef>
+            <a:fontRef idx="minor">
+              <a:schemeClr val="tx1"/>
+            </a:fontRef>
+          </p:style>
+        </p:cxnSp>
+        <p:sp>
+          <p:nvSpPr>
+            <p:cNvPr id="20" name="TextBox 19"/>
+            <p:cNvSpPr txBox="1"/>
+            <p:nvPr/>
+          </p:nvSpPr>
+          <p:spPr>
+            <a:xfrm>
+              <a:off x="3114744" y="2030002"/>
+              <a:ext cx="329171" cy="230832"/>
+            </a:xfrm>
+            <a:prstGeom prst="rect">
+              <a:avLst/>
+            </a:prstGeom>
+            <a:noFill/>
+          </p:spPr>
+          <p:txBody>
+            <a:bodyPr wrap="square" lIns="0" tIns="0" rIns="0" bIns="0" rtlCol="0" anchor="ctr" anchorCtr="0">
+              <a:spAutoFit/>
+            </a:bodyPr>
+            <a:lstStyle/>
+            <a:p>
+              <a:pPr algn="ctr"/>
+              <a:r>
+                <a:rPr lang="en-US" sz="1500" dirty="0" err="1" smtClean="0"/>
+                <a:t>i</a:t>
+              </a:r>
+              <a:r>
+                <a:rPr lang="en-US" sz="1500" dirty="0" smtClean="0"/>
+                <a:t>(b)</a:t>
+              </a:r>
+              <a:endParaRPr lang="en-CA" sz="1500" dirty="0"/>
+            </a:p>
+          </p:txBody>
+        </p:sp>
+        <p:sp>
+          <p:nvSpPr>
+            <p:cNvPr id="21" name="TextBox 20"/>
+            <p:cNvSpPr txBox="1"/>
+            <p:nvPr/>
+          </p:nvSpPr>
+          <p:spPr>
+            <a:xfrm>
+              <a:off x="3844716" y="2030002"/>
+              <a:ext cx="503349" cy="230832"/>
+            </a:xfrm>
+            <a:prstGeom prst="rect">
+              <a:avLst/>
+            </a:prstGeom>
+            <a:noFill/>
+          </p:spPr>
+          <p:txBody>
+            <a:bodyPr wrap="square" lIns="0" tIns="0" rIns="0" bIns="0" rtlCol="0" anchor="ctr" anchorCtr="0">
+              <a:spAutoFit/>
+            </a:bodyPr>
+            <a:lstStyle/>
+            <a:p>
+              <a:pPr algn="ctr"/>
+              <a:r>
+                <a:rPr lang="en-US" sz="1500" dirty="0" err="1" smtClean="0"/>
+                <a:t>i</a:t>
+              </a:r>
+              <a:r>
+                <a:rPr lang="en-US" sz="1500" dirty="0" smtClean="0"/>
+                <a:t>(b)+1</a:t>
+              </a:r>
+              <a:endParaRPr lang="en-CA" sz="1500" dirty="0"/>
+            </a:p>
+          </p:txBody>
+        </p:sp>
+      </p:grpSp>
+      <p:grpSp>
+        <p:nvGrpSpPr>
+          <p:cNvPr id="111" name="Group 110"/>
+          <p:cNvGrpSpPr/>
+          <p:nvPr/>
+        </p:nvGrpSpPr>
+        <p:grpSpPr>
+          <a:xfrm>
+            <a:off x="1522317" y="1055547"/>
+            <a:ext cx="2855264" cy="1976336"/>
+            <a:chOff x="1522317" y="278047"/>
+            <a:chExt cx="2855264" cy="1976336"/>
+          </a:xfrm>
+        </p:grpSpPr>
+        <p:sp>
+          <p:nvSpPr>
+            <p:cNvPr id="40" name="Rounded Rectangle 39"/>
+            <p:cNvSpPr/>
+            <p:nvPr/>
+          </p:nvSpPr>
+          <p:spPr>
+            <a:xfrm>
+              <a:off x="2947504" y="278047"/>
+              <a:ext cx="491412" cy="242176"/>
+            </a:xfrm>
+            <a:prstGeom prst="roundRect">
+              <a:avLst/>
+            </a:prstGeom>
+            <a:noFill/>
+            <a:ln w="31750">
+              <a:solidFill>
+                <a:schemeClr val="accent6">
+                  <a:alpha val="97000"/>
+                </a:schemeClr>
+              </a:solidFill>
+              <a:prstDash val="sysDash"/>
+            </a:ln>
+          </p:spPr>
+          <p:style>
+            <a:lnRef idx="2">
+              <a:schemeClr val="accent1">
+                <a:shade val="50000"/>
+              </a:schemeClr>
+            </a:lnRef>
+            <a:fillRef idx="1">
+              <a:schemeClr val="accent1"/>
+            </a:fillRef>
+            <a:effectRef idx="0">
+              <a:schemeClr val="accent1"/>
+            </a:effectRef>
+            <a:fontRef idx="minor">
+              <a:schemeClr val="lt1"/>
+            </a:fontRef>
+          </p:style>
+          <p:txBody>
+            <a:bodyPr lIns="0" tIns="0" rIns="0" bIns="0" rtlCol="0" anchor="ctr"/>
+            <a:lstStyle/>
+            <a:p>
+              <a:pPr algn="ctr"/>
+              <a:r>
+                <a:rPr lang="en-CA" dirty="0" smtClean="0">
+                  <a:solidFill>
+                    <a:schemeClr val="tx1"/>
+                  </a:solidFill>
+                </a:rPr>
+                <a:t>root</a:t>
+              </a:r>
+              <a:endParaRPr lang="en-CA" dirty="0">
+                <a:solidFill>
+                  <a:schemeClr val="tx1"/>
+                </a:solidFill>
+              </a:endParaRPr>
+            </a:p>
+          </p:txBody>
+        </p:sp>
+        <p:cxnSp>
+          <p:nvCxnSpPr>
+            <p:cNvPr id="42" name="Straight Arrow Connector 41"/>
+            <p:cNvCxnSpPr>
+              <a:stCxn id="7" idx="0"/>
+              <a:endCxn id="40" idx="2"/>
+            </p:cNvCxnSpPr>
+            <p:nvPr/>
+          </p:nvCxnSpPr>
+          <p:spPr>
+            <a:xfrm flipV="1">
+              <a:off x="1522317" y="520223"/>
+              <a:ext cx="1670893" cy="667073"/>
+            </a:xfrm>
+            <a:prstGeom prst="straightConnector1">
+              <a:avLst/>
+            </a:prstGeom>
+            <a:ln>
+              <a:prstDash val="lgDash"/>
+              <a:tailEnd type="triangle"/>
+            </a:ln>
+          </p:spPr>
+          <p:style>
+            <a:lnRef idx="1">
+              <a:schemeClr val="accent1"/>
+            </a:lnRef>
+            <a:fillRef idx="0">
+              <a:schemeClr val="accent1"/>
+            </a:fillRef>
+            <a:effectRef idx="0">
+              <a:schemeClr val="accent1"/>
+            </a:effectRef>
+            <a:fontRef idx="minor">
+              <a:schemeClr val="tx1"/>
+            </a:fontRef>
+          </p:style>
+        </p:cxnSp>
+        <p:cxnSp>
+          <p:nvCxnSpPr>
+            <p:cNvPr id="49" name="Straight Arrow Connector 48"/>
+            <p:cNvCxnSpPr>
+              <a:stCxn id="17" idx="0"/>
+              <a:endCxn id="40" idx="2"/>
+            </p:cNvCxnSpPr>
+            <p:nvPr/>
+          </p:nvCxnSpPr>
+          <p:spPr>
+            <a:xfrm flipV="1">
+              <a:off x="2546843" y="520223"/>
+              <a:ext cx="646367" cy="1212978"/>
+            </a:xfrm>
+            <a:prstGeom prst="straightConnector1">
+              <a:avLst/>
+            </a:prstGeom>
+            <a:ln>
+              <a:prstDash val="lgDash"/>
+              <a:tailEnd type="triangle"/>
+            </a:ln>
+          </p:spPr>
+          <p:style>
+            <a:lnRef idx="1">
+              <a:schemeClr val="accent1"/>
+            </a:lnRef>
+            <a:fillRef idx="0">
+              <a:schemeClr val="accent1"/>
+            </a:fillRef>
+            <a:effectRef idx="0">
+              <a:schemeClr val="accent1"/>
+            </a:effectRef>
+            <a:fontRef idx="minor">
+              <a:schemeClr val="tx1"/>
+            </a:fontRef>
+          </p:style>
+        </p:cxnSp>
+        <p:cxnSp>
+          <p:nvCxnSpPr>
+            <p:cNvPr id="52" name="Straight Arrow Connector 51"/>
+            <p:cNvCxnSpPr>
+              <a:stCxn id="23" idx="0"/>
+              <a:endCxn id="40" idx="2"/>
+            </p:cNvCxnSpPr>
+            <p:nvPr/>
+          </p:nvCxnSpPr>
+          <p:spPr>
+            <a:xfrm flipH="1" flipV="1">
+              <a:off x="3193210" y="520223"/>
+              <a:ext cx="1184371" cy="1734160"/>
+            </a:xfrm>
+            <a:prstGeom prst="straightConnector1">
+              <a:avLst/>
+            </a:prstGeom>
+            <a:ln>
+              <a:prstDash val="lgDash"/>
+              <a:tailEnd type="triangle"/>
+            </a:ln>
+          </p:spPr>
+          <p:style>
+            <a:lnRef idx="1">
+              <a:schemeClr val="accent1"/>
+            </a:lnRef>
+            <a:fillRef idx="0">
+              <a:schemeClr val="accent1"/>
+            </a:fillRef>
+            <a:effectRef idx="0">
+              <a:schemeClr val="accent1"/>
+            </a:effectRef>
+            <a:fontRef idx="minor">
+              <a:schemeClr val="tx1"/>
+            </a:fontRef>
+          </p:style>
+        </p:cxnSp>
+      </p:grpSp>
+      <p:grpSp>
+        <p:nvGrpSpPr>
+          <p:cNvPr id="110" name="Group 109"/>
+          <p:cNvGrpSpPr/>
+          <p:nvPr/>
+        </p:nvGrpSpPr>
+        <p:grpSpPr>
+          <a:xfrm>
+            <a:off x="3117170" y="3031883"/>
+            <a:ext cx="2123284" cy="814328"/>
+            <a:chOff x="3117170" y="2254383"/>
+            <a:chExt cx="2123284" cy="814328"/>
+          </a:xfrm>
+        </p:grpSpPr>
+        <p:sp>
+          <p:nvSpPr>
+            <p:cNvPr id="23" name="Rounded Rectangle 22"/>
+            <p:cNvSpPr/>
+            <p:nvPr/>
+          </p:nvSpPr>
+          <p:spPr>
+            <a:xfrm>
+              <a:off x="4265488" y="2254383"/>
+              <a:ext cx="224186" cy="242176"/>
+            </a:xfrm>
+            <a:prstGeom prst="roundRect">
+              <a:avLst/>
+            </a:prstGeom>
+            <a:noFill/>
+            <a:ln w="31750">
+              <a:solidFill>
+                <a:schemeClr val="accent6">
+                  <a:alpha val="97000"/>
+                </a:schemeClr>
+              </a:solidFill>
+            </a:ln>
+          </p:spPr>
+          <p:style>
+            <a:lnRef idx="2">
+              <a:schemeClr val="accent1">
+                <a:shade val="50000"/>
+              </a:schemeClr>
+            </a:lnRef>
+            <a:fillRef idx="1">
+              <a:schemeClr val="accent1"/>
+            </a:fillRef>
+            <a:effectRef idx="0">
+              <a:schemeClr val="accent1"/>
+            </a:effectRef>
+            <a:fontRef idx="minor">
+              <a:schemeClr val="lt1"/>
+            </a:fontRef>
+          </p:style>
+          <p:txBody>
+            <a:bodyPr lIns="0" tIns="0" rIns="0" bIns="0" rtlCol="0" anchor="ctr"/>
+            <a:lstStyle/>
+            <a:p>
+              <a:pPr algn="ctr"/>
+              <a:r>
+                <a:rPr lang="en-US" dirty="0" smtClean="0">
+                  <a:solidFill>
+                    <a:schemeClr val="tx1"/>
+                  </a:solidFill>
+                </a:rPr>
+                <a:t>c</a:t>
+              </a:r>
+              <a:endParaRPr lang="en-CA" dirty="0">
+                <a:solidFill>
+                  <a:schemeClr val="tx1"/>
+                </a:solidFill>
+              </a:endParaRPr>
+            </a:p>
+          </p:txBody>
+        </p:sp>
+        <p:grpSp>
+          <p:nvGrpSpPr>
+            <p:cNvPr id="24" name="Group 23"/>
+            <p:cNvGrpSpPr/>
+            <p:nvPr/>
+          </p:nvGrpSpPr>
+          <p:grpSpPr>
+            <a:xfrm>
+              <a:off x="4377581" y="2496559"/>
+              <a:ext cx="862873" cy="572152"/>
+              <a:chOff x="4684373" y="2608466"/>
+              <a:chExt cx="862873" cy="572152"/>
+            </a:xfrm>
+          </p:grpSpPr>
+          <p:sp>
+            <p:nvSpPr>
+              <p:cNvPr id="34" name="Rounded Rectangle 33"/>
+              <p:cNvSpPr/>
+              <p:nvPr/>
+            </p:nvSpPr>
+            <p:spPr>
+              <a:xfrm>
+                <a:off x="4986648" y="2938442"/>
+                <a:ext cx="224186" cy="242176"/>
+              </a:xfrm>
+              <a:prstGeom prst="roundRect">
+                <a:avLst/>
+              </a:prstGeom>
+              <a:noFill/>
+              <a:ln w="31750">
+                <a:solidFill>
+                  <a:schemeClr val="accent6">
+                    <a:alpha val="97000"/>
+                  </a:schemeClr>
+                </a:solidFill>
+              </a:ln>
+            </p:spPr>
+            <p:style>
+              <a:lnRef idx="2">
+                <a:schemeClr val="accent1">
+                  <a:shade val="50000"/>
+                </a:schemeClr>
+              </a:lnRef>
+              <a:fillRef idx="1">
+                <a:schemeClr val="accent1"/>
+              </a:fillRef>
+              <a:effectRef idx="0">
+                <a:schemeClr val="accent1"/>
+              </a:effectRef>
+              <a:fontRef idx="minor">
+                <a:schemeClr val="lt1"/>
+              </a:fontRef>
+            </p:style>
+            <p:txBody>
+              <a:bodyPr lIns="0" tIns="0" rIns="0" bIns="0" rtlCol="0" anchor="ctr"/>
+              <a:lstStyle/>
+              <a:p>
+                <a:pPr algn="ctr"/>
+                <a:endParaRPr lang="en-CA" dirty="0">
+                  <a:solidFill>
+                    <a:schemeClr val="tx1"/>
+                  </a:solidFill>
+                </a:endParaRPr>
+              </a:p>
+            </p:txBody>
+          </p:sp>
+          <p:sp>
+            <p:nvSpPr>
+              <p:cNvPr id="35" name="Rounded Rectangle 34"/>
+              <p:cNvSpPr/>
+              <p:nvPr/>
+            </p:nvSpPr>
+            <p:spPr>
+              <a:xfrm>
+                <a:off x="5323060" y="2934265"/>
+                <a:ext cx="224186" cy="242176"/>
+              </a:xfrm>
+              <a:prstGeom prst="roundRect">
+                <a:avLst/>
+              </a:prstGeom>
+              <a:noFill/>
+              <a:ln w="31750">
+                <a:solidFill>
+                  <a:schemeClr val="accent6">
+                    <a:alpha val="97000"/>
+                  </a:schemeClr>
+                </a:solidFill>
+              </a:ln>
+            </p:spPr>
+            <p:style>
+              <a:lnRef idx="2">
+                <a:schemeClr val="accent1">
+                  <a:shade val="50000"/>
+                </a:schemeClr>
+              </a:lnRef>
+              <a:fillRef idx="1">
+                <a:schemeClr val="accent1"/>
+              </a:fillRef>
+              <a:effectRef idx="0">
+                <a:schemeClr val="accent1"/>
+              </a:effectRef>
+              <a:fontRef idx="minor">
+                <a:schemeClr val="lt1"/>
+              </a:fontRef>
+            </p:style>
+            <p:txBody>
+              <a:bodyPr lIns="0" tIns="0" rIns="0" bIns="0" rtlCol="0" anchor="ctr"/>
+              <a:lstStyle/>
+              <a:p>
+                <a:pPr algn="ctr"/>
+                <a:endParaRPr lang="en-CA" dirty="0">
+                  <a:solidFill>
+                    <a:schemeClr val="tx1"/>
+                  </a:solidFill>
+                </a:endParaRPr>
+              </a:p>
+            </p:txBody>
+          </p:sp>
+          <p:cxnSp>
+            <p:nvCxnSpPr>
+              <p:cNvPr id="36" name="Straight Arrow Connector 35"/>
+              <p:cNvCxnSpPr>
+                <a:stCxn id="35" idx="0"/>
+                <a:endCxn id="23" idx="2"/>
+              </p:cNvCxnSpPr>
+              <p:nvPr/>
+            </p:nvCxnSpPr>
+            <p:spPr>
+              <a:xfrm flipH="1" flipV="1">
+                <a:off x="4684373" y="2608466"/>
+                <a:ext cx="750780" cy="325799"/>
+              </a:xfrm>
+              <a:prstGeom prst="straightConnector1">
+                <a:avLst/>
+              </a:prstGeom>
+              <a:ln>
+                <a:tailEnd type="triangle"/>
+              </a:ln>
+            </p:spPr>
+            <p:style>
+              <a:lnRef idx="1">
+                <a:schemeClr val="accent1"/>
+              </a:lnRef>
+              <a:fillRef idx="0">
+                <a:schemeClr val="accent1"/>
+              </a:fillRef>
+              <a:effectRef idx="0">
+                <a:schemeClr val="accent1"/>
+              </a:effectRef>
+              <a:fontRef idx="minor">
+                <a:schemeClr val="tx1"/>
+              </a:fontRef>
+            </p:style>
+          </p:cxnSp>
+          <p:cxnSp>
+            <p:nvCxnSpPr>
+              <p:cNvPr id="37" name="Straight Arrow Connector 36"/>
+              <p:cNvCxnSpPr>
+                <a:stCxn id="34" idx="0"/>
+                <a:endCxn id="23" idx="2"/>
+              </p:cNvCxnSpPr>
+              <p:nvPr/>
+            </p:nvCxnSpPr>
+            <p:spPr>
+              <a:xfrm flipH="1" flipV="1">
+                <a:off x="4684373" y="2608466"/>
+                <a:ext cx="414368" cy="329976"/>
+              </a:xfrm>
+              <a:prstGeom prst="straightConnector1">
+                <a:avLst/>
+              </a:prstGeom>
+              <a:ln>
+                <a:tailEnd type="triangle"/>
+              </a:ln>
+            </p:spPr>
+            <p:style>
+              <a:lnRef idx="1">
+                <a:schemeClr val="accent1"/>
+              </a:lnRef>
+              <a:fillRef idx="0">
+                <a:schemeClr val="accent1"/>
+              </a:fillRef>
+              <a:effectRef idx="0">
+                <a:schemeClr val="accent1"/>
+              </a:effectRef>
+              <a:fontRef idx="minor">
+                <a:schemeClr val="tx1"/>
+              </a:fontRef>
+            </p:style>
+          </p:cxnSp>
+          <p:sp>
+            <p:nvSpPr>
+              <p:cNvPr id="38" name="TextBox 37"/>
+              <p:cNvSpPr txBox="1"/>
+              <p:nvPr/>
+            </p:nvSpPr>
+            <p:spPr>
+              <a:xfrm>
+                <a:off x="5052412" y="2703629"/>
+                <a:ext cx="169507" cy="230832"/>
+              </a:xfrm>
+              <a:prstGeom prst="rect">
+                <a:avLst/>
+              </a:prstGeom>
+              <a:noFill/>
+            </p:spPr>
+            <p:txBody>
+              <a:bodyPr wrap="square" lIns="0" tIns="0" rIns="0" bIns="0" rtlCol="0" anchor="ctr" anchorCtr="0">
+                <a:spAutoFit/>
+              </a:bodyPr>
+              <a:lstStyle/>
+              <a:p>
+                <a:pPr algn="ctr"/>
+                <a:r>
+                  <a:rPr lang="en-US" sz="1500" dirty="0" smtClean="0"/>
+                  <a:t>-2</a:t>
+                </a:r>
+                <a:endParaRPr lang="en-CA" sz="1500" dirty="0"/>
+              </a:p>
+            </p:txBody>
+          </p:sp>
+          <p:sp>
+            <p:nvSpPr>
+              <p:cNvPr id="39" name="TextBox 38"/>
+              <p:cNvSpPr txBox="1"/>
+              <p:nvPr/>
+            </p:nvSpPr>
+            <p:spPr>
+              <a:xfrm>
+                <a:off x="5354293" y="2703473"/>
+                <a:ext cx="176615" cy="230832"/>
+              </a:xfrm>
+              <a:prstGeom prst="rect">
+                <a:avLst/>
+              </a:prstGeom>
+              <a:noFill/>
+            </p:spPr>
+            <p:txBody>
+              <a:bodyPr wrap="square" lIns="0" tIns="0" rIns="0" bIns="0" rtlCol="0" anchor="ctr" anchorCtr="0">
+                <a:spAutoFit/>
+              </a:bodyPr>
+              <a:lstStyle/>
+              <a:p>
+                <a:pPr algn="ctr"/>
+                <a:r>
+                  <a:rPr lang="en-US" sz="1500" dirty="0" smtClean="0"/>
+                  <a:t>-1</a:t>
+                </a:r>
+                <a:endParaRPr lang="en-CA" sz="1500" dirty="0"/>
+              </a:p>
+            </p:txBody>
+          </p:sp>
+        </p:grpSp>
+        <p:sp>
+          <p:nvSpPr>
+            <p:cNvPr id="25" name="Rounded Rectangle 24"/>
+            <p:cNvSpPr/>
+            <p:nvPr/>
+          </p:nvSpPr>
+          <p:spPr>
+            <a:xfrm>
+              <a:off x="3117170" y="2823849"/>
+              <a:ext cx="224186" cy="242176"/>
+            </a:xfrm>
+            <a:prstGeom prst="roundRect">
+              <a:avLst/>
+            </a:prstGeom>
+            <a:noFill/>
+            <a:ln w="31750">
+              <a:solidFill>
+                <a:schemeClr val="accent6">
+                  <a:alpha val="97000"/>
+                </a:schemeClr>
+              </a:solidFill>
+            </a:ln>
+          </p:spPr>
+          <p:style>
+            <a:lnRef idx="2">
+              <a:schemeClr val="accent1">
+                <a:shade val="50000"/>
+              </a:schemeClr>
+            </a:lnRef>
+            <a:fillRef idx="1">
+              <a:schemeClr val="accent1"/>
+            </a:fillRef>
+            <a:effectRef idx="0">
+              <a:schemeClr val="accent1"/>
+            </a:effectRef>
+            <a:fontRef idx="minor">
+              <a:schemeClr val="lt1"/>
+            </a:fontRef>
+          </p:style>
+          <p:txBody>
+            <a:bodyPr lIns="0" tIns="0" rIns="0" bIns="0" rtlCol="0" anchor="ctr"/>
+            <a:lstStyle/>
+            <a:p>
+              <a:pPr algn="ctr"/>
+              <a:endParaRPr lang="en-CA" dirty="0">
+                <a:solidFill>
+                  <a:schemeClr val="tx1"/>
+                </a:solidFill>
+              </a:endParaRPr>
+            </a:p>
+          </p:txBody>
+        </p:sp>
+        <p:sp>
+          <p:nvSpPr>
+            <p:cNvPr id="26" name="Rounded Rectangle 25"/>
+            <p:cNvSpPr/>
+            <p:nvPr/>
+          </p:nvSpPr>
+          <p:spPr>
+            <a:xfrm>
+              <a:off x="3509558" y="2823235"/>
+              <a:ext cx="224186" cy="242176"/>
+            </a:xfrm>
+            <a:prstGeom prst="roundRect">
+              <a:avLst/>
+            </a:prstGeom>
+            <a:noFill/>
+            <a:ln w="31750">
+              <a:solidFill>
+                <a:schemeClr val="accent6">
+                  <a:alpha val="97000"/>
+                </a:schemeClr>
+              </a:solidFill>
+            </a:ln>
+          </p:spPr>
+          <p:style>
+            <a:lnRef idx="2">
+              <a:schemeClr val="accent1">
+                <a:shade val="50000"/>
+              </a:schemeClr>
+            </a:lnRef>
+            <a:fillRef idx="1">
+              <a:schemeClr val="accent1"/>
+            </a:fillRef>
+            <a:effectRef idx="0">
+              <a:schemeClr val="accent1"/>
+            </a:effectRef>
+            <a:fontRef idx="minor">
+              <a:schemeClr val="lt1"/>
+            </a:fontRef>
+          </p:style>
+          <p:txBody>
+            <a:bodyPr lIns="0" tIns="0" rIns="0" bIns="0" rtlCol="0" anchor="ctr"/>
+            <a:lstStyle/>
+            <a:p>
+              <a:pPr algn="ctr"/>
+              <a:endParaRPr lang="en-CA" dirty="0">
+                <a:solidFill>
+                  <a:schemeClr val="tx1"/>
+                </a:solidFill>
+              </a:endParaRPr>
+            </a:p>
+          </p:txBody>
+        </p:sp>
+        <p:cxnSp>
+          <p:nvCxnSpPr>
+            <p:cNvPr id="27" name="Straight Arrow Connector 26"/>
+            <p:cNvCxnSpPr>
+              <a:stCxn id="26" idx="0"/>
+              <a:endCxn id="23" idx="2"/>
+            </p:cNvCxnSpPr>
+            <p:nvPr/>
+          </p:nvCxnSpPr>
+          <p:spPr>
+            <a:xfrm flipV="1">
+              <a:off x="3621651" y="2496559"/>
+              <a:ext cx="755930" cy="326676"/>
+            </a:xfrm>
+            <a:prstGeom prst="straightConnector1">
+              <a:avLst/>
+            </a:prstGeom>
+            <a:ln>
+              <a:tailEnd type="triangle"/>
+            </a:ln>
+          </p:spPr>
+          <p:style>
+            <a:lnRef idx="1">
+              <a:schemeClr val="accent1"/>
+            </a:lnRef>
+            <a:fillRef idx="0">
+              <a:schemeClr val="accent1"/>
+            </a:fillRef>
+            <a:effectRef idx="0">
+              <a:schemeClr val="accent1"/>
+            </a:effectRef>
+            <a:fontRef idx="minor">
+              <a:schemeClr val="tx1"/>
+            </a:fontRef>
+          </p:style>
+        </p:cxnSp>
+        <p:cxnSp>
+          <p:nvCxnSpPr>
+            <p:cNvPr id="28" name="Straight Arrow Connector 27"/>
+            <p:cNvCxnSpPr>
+              <a:stCxn id="25" idx="0"/>
+              <a:endCxn id="23" idx="2"/>
+            </p:cNvCxnSpPr>
+            <p:nvPr/>
+          </p:nvCxnSpPr>
+          <p:spPr>
+            <a:xfrm flipV="1">
+              <a:off x="3229263" y="2496559"/>
+              <a:ext cx="1148318" cy="327290"/>
+            </a:xfrm>
+            <a:prstGeom prst="straightConnector1">
+              <a:avLst/>
+            </a:prstGeom>
+            <a:ln>
+              <a:tailEnd type="triangle"/>
+            </a:ln>
+          </p:spPr>
+          <p:style>
+            <a:lnRef idx="1">
+              <a:schemeClr val="accent1"/>
+            </a:lnRef>
+            <a:fillRef idx="0">
+              <a:schemeClr val="accent1"/>
+            </a:fillRef>
+            <a:effectRef idx="0">
+              <a:schemeClr val="accent1"/>
+            </a:effectRef>
+            <a:fontRef idx="minor">
+              <a:schemeClr val="tx1"/>
+            </a:fontRef>
+          </p:style>
+        </p:cxnSp>
+        <p:sp>
+          <p:nvSpPr>
+            <p:cNvPr id="29" name="TextBox 28"/>
+            <p:cNvSpPr txBox="1"/>
+            <p:nvPr/>
+          </p:nvSpPr>
+          <p:spPr>
+            <a:xfrm>
+              <a:off x="3117170" y="2592403"/>
+              <a:ext cx="164585" cy="230832"/>
+            </a:xfrm>
+            <a:prstGeom prst="rect">
+              <a:avLst/>
+            </a:prstGeom>
+            <a:noFill/>
+          </p:spPr>
+          <p:txBody>
+            <a:bodyPr wrap="square" lIns="0" tIns="0" rIns="0" bIns="0" rtlCol="0" anchor="ctr" anchorCtr="0">
+              <a:spAutoFit/>
+            </a:bodyPr>
+            <a:lstStyle/>
+            <a:p>
+              <a:pPr algn="ctr"/>
+              <a:r>
+                <a:rPr lang="en-US" sz="1500" dirty="0" smtClean="0"/>
+                <a:t>0</a:t>
+              </a:r>
+              <a:endParaRPr lang="en-CA" sz="1500" dirty="0"/>
+            </a:p>
+          </p:txBody>
+        </p:sp>
+        <p:sp>
+          <p:nvSpPr>
+            <p:cNvPr id="30" name="TextBox 29"/>
+            <p:cNvSpPr txBox="1"/>
+            <p:nvPr/>
+          </p:nvSpPr>
+          <p:spPr>
+            <a:xfrm>
+              <a:off x="3509558" y="2592403"/>
+              <a:ext cx="176615" cy="230832"/>
+            </a:xfrm>
+            <a:prstGeom prst="rect">
+              <a:avLst/>
+            </a:prstGeom>
+            <a:noFill/>
+          </p:spPr>
+          <p:txBody>
+            <a:bodyPr wrap="square" lIns="0" tIns="0" rIns="0" bIns="0" rtlCol="0" anchor="ctr" anchorCtr="0">
+              <a:spAutoFit/>
+            </a:bodyPr>
+            <a:lstStyle/>
+            <a:p>
+              <a:pPr algn="ctr"/>
+              <a:r>
+                <a:rPr lang="en-US" sz="1500" dirty="0" smtClean="0"/>
+                <a:t>1</a:t>
+              </a:r>
+              <a:endParaRPr lang="en-CA" sz="1500" dirty="0"/>
+            </a:p>
+          </p:txBody>
+        </p:sp>
+        <p:sp>
+          <p:nvSpPr>
+            <p:cNvPr id="31" name="Rounded Rectangle 30"/>
+            <p:cNvSpPr/>
+            <p:nvPr/>
+          </p:nvSpPr>
+          <p:spPr>
+            <a:xfrm>
+              <a:off x="3911933" y="2818897"/>
+              <a:ext cx="224186" cy="242176"/>
+            </a:xfrm>
+            <a:prstGeom prst="roundRect">
+              <a:avLst/>
+            </a:prstGeom>
+            <a:noFill/>
+            <a:ln w="31750">
+              <a:solidFill>
+                <a:schemeClr val="accent6">
+                  <a:alpha val="97000"/>
+                </a:schemeClr>
+              </a:solidFill>
+            </a:ln>
+          </p:spPr>
+          <p:style>
+            <a:lnRef idx="2">
+              <a:schemeClr val="accent1">
+                <a:shade val="50000"/>
+              </a:schemeClr>
+            </a:lnRef>
+            <a:fillRef idx="1">
+              <a:schemeClr val="accent1"/>
+            </a:fillRef>
+            <a:effectRef idx="0">
+              <a:schemeClr val="accent1"/>
+            </a:effectRef>
+            <a:fontRef idx="minor">
+              <a:schemeClr val="lt1"/>
+            </a:fontRef>
+          </p:style>
+          <p:txBody>
+            <a:bodyPr lIns="0" tIns="0" rIns="0" bIns="0" rtlCol="0" anchor="ctr"/>
+            <a:lstStyle/>
+            <a:p>
+              <a:pPr algn="ctr"/>
+              <a:endParaRPr lang="en-CA" dirty="0">
+                <a:solidFill>
+                  <a:schemeClr val="tx1"/>
+                </a:solidFill>
+              </a:endParaRPr>
+            </a:p>
+          </p:txBody>
+        </p:sp>
+        <p:cxnSp>
+          <p:nvCxnSpPr>
+            <p:cNvPr id="32" name="Straight Arrow Connector 31"/>
+            <p:cNvCxnSpPr>
+              <a:stCxn id="31" idx="0"/>
+              <a:endCxn id="23" idx="2"/>
+            </p:cNvCxnSpPr>
+            <p:nvPr/>
+          </p:nvCxnSpPr>
+          <p:spPr>
+            <a:xfrm flipV="1">
+              <a:off x="4024026" y="2496559"/>
+              <a:ext cx="353555" cy="322338"/>
+            </a:xfrm>
+            <a:prstGeom prst="straightConnector1">
+              <a:avLst/>
+            </a:prstGeom>
+            <a:ln>
+              <a:tailEnd type="triangle"/>
+            </a:ln>
+          </p:spPr>
+          <p:style>
+            <a:lnRef idx="1">
+              <a:schemeClr val="accent1"/>
+            </a:lnRef>
+            <a:fillRef idx="0">
+              <a:schemeClr val="accent1"/>
+            </a:fillRef>
+            <a:effectRef idx="0">
+              <a:schemeClr val="accent1"/>
+            </a:effectRef>
+            <a:fontRef idx="minor">
+              <a:schemeClr val="tx1"/>
+            </a:fontRef>
+          </p:style>
+        </p:cxnSp>
+        <p:sp>
+          <p:nvSpPr>
+            <p:cNvPr id="33" name="TextBox 32"/>
+            <p:cNvSpPr txBox="1"/>
+            <p:nvPr/>
+          </p:nvSpPr>
+          <p:spPr>
+            <a:xfrm>
+              <a:off x="3869391" y="2588042"/>
+              <a:ext cx="176615" cy="230832"/>
+            </a:xfrm>
+            <a:prstGeom prst="rect">
+              <a:avLst/>
+            </a:prstGeom>
+            <a:noFill/>
+          </p:spPr>
+          <p:txBody>
+            <a:bodyPr wrap="square" lIns="0" tIns="0" rIns="0" bIns="0" rtlCol="0" anchor="ctr" anchorCtr="0">
+              <a:spAutoFit/>
+            </a:bodyPr>
+            <a:lstStyle/>
+            <a:p>
+              <a:pPr algn="ctr"/>
+              <a:r>
+                <a:rPr lang="en-US" sz="1500" dirty="0" smtClean="0"/>
+                <a:t>2</a:t>
+              </a:r>
+              <a:endParaRPr lang="en-CA" sz="1500" dirty="0"/>
+            </a:p>
+          </p:txBody>
+        </p:sp>
+        <p:sp>
+          <p:nvSpPr>
+            <p:cNvPr id="109" name="TextBox 108"/>
+            <p:cNvSpPr txBox="1"/>
+            <p:nvPr/>
+          </p:nvSpPr>
+          <p:spPr>
+            <a:xfrm>
+              <a:off x="4328875" y="2833702"/>
+              <a:ext cx="176615" cy="230832"/>
+            </a:xfrm>
+            <a:prstGeom prst="rect">
+              <a:avLst/>
+            </a:prstGeom>
+            <a:noFill/>
+          </p:spPr>
+          <p:txBody>
+            <a:bodyPr wrap="square" lIns="0" tIns="0" rIns="0" bIns="0" rtlCol="0" anchor="ctr" anchorCtr="0">
+              <a:spAutoFit/>
+            </a:bodyPr>
+            <a:lstStyle/>
+            <a:p>
+              <a:pPr algn="ctr"/>
+              <a:r>
+                <a:rPr lang="en-US" sz="1500" dirty="0" smtClean="0"/>
+                <a:t>…</a:t>
+              </a:r>
+              <a:endParaRPr lang="en-CA" sz="1500" dirty="0"/>
+            </a:p>
+          </p:txBody>
+        </p:sp>
+      </p:grpSp>
+      <p:sp>
+        <p:nvSpPr>
+          <p:cNvPr id="112" name="TextBox 111"/>
+          <p:cNvSpPr txBox="1"/>
+          <p:nvPr/>
+        </p:nvSpPr>
+        <p:spPr>
+          <a:xfrm>
+            <a:off x="4046006" y="1004226"/>
+            <a:ext cx="1618803" cy="1223412"/>
+          </a:xfrm>
+          <a:prstGeom prst="rect">
+            <a:avLst/>
+          </a:prstGeom>
+          <a:solidFill>
+            <a:schemeClr val="bg1"/>
+          </a:solidFill>
+          <a:ln>
+            <a:solidFill>
+              <a:schemeClr val="bg2">
+                <a:lumMod val="90000"/>
+              </a:schemeClr>
+            </a:solidFill>
+          </a:ln>
+        </p:spPr>
+        <p:txBody>
+          <a:bodyPr wrap="square" lIns="0" tIns="0" rIns="0" bIns="0" rtlCol="0">
+            <a:spAutoFit/>
+          </a:bodyPr>
+          <a:lstStyle/>
+          <a:p>
+            <a:pPr algn="ctr"/>
+            <a:r>
+              <a:rPr lang="en-US" sz="1200" u="sng" dirty="0" smtClean="0"/>
+              <a:t>Legend</a:t>
+            </a:r>
+          </a:p>
+          <a:p>
+            <a:pPr marL="87313" indent="-87313">
+              <a:spcAft>
+                <a:spcPts val="300"/>
+              </a:spcAft>
+              <a:buFont typeface="Arial" panose="020B0604020202020204" pitchFamily="34" charset="0"/>
+              <a:buChar char="•"/>
+            </a:pPr>
+            <a:r>
+              <a:rPr lang="en-US" sz="1000" dirty="0" smtClean="0"/>
+              <a:t>Arrows point to the parent.</a:t>
+            </a:r>
+          </a:p>
+          <a:p>
+            <a:pPr marL="87313" indent="-87313">
+              <a:spcAft>
+                <a:spcPts val="300"/>
+              </a:spcAft>
+              <a:buFont typeface="Arial" panose="020B0604020202020204" pitchFamily="34" charset="0"/>
+              <a:buChar char="•"/>
+            </a:pPr>
+            <a:r>
+              <a:rPr lang="en-US" sz="1000" dirty="0" smtClean="0"/>
+              <a:t>Numbers are child positions:</a:t>
+            </a:r>
+            <a:br>
+              <a:rPr lang="en-US" sz="1000" dirty="0" smtClean="0"/>
+            </a:br>
+            <a:r>
+              <a:rPr lang="en-US" sz="1000" dirty="0" smtClean="0"/>
+              <a:t>0 </a:t>
+            </a:r>
+            <a:r>
+              <a:rPr lang="en-US" sz="1000" dirty="0"/>
+              <a:t>is the first </a:t>
+            </a:r>
+            <a:r>
+              <a:rPr lang="en-US" sz="1000" dirty="0" smtClean="0"/>
+              <a:t>child</a:t>
+            </a:r>
+            <a:r>
+              <a:rPr lang="en-US" sz="1000" dirty="0"/>
+              <a:t/>
+            </a:r>
+            <a:br>
+              <a:rPr lang="en-US" sz="1000" dirty="0"/>
+            </a:br>
+            <a:r>
+              <a:rPr lang="en-US" sz="1000" dirty="0" smtClean="0"/>
+              <a:t>-1 is the last child</a:t>
+            </a:r>
+            <a:br>
+              <a:rPr lang="en-US" sz="1000" dirty="0" smtClean="0"/>
+            </a:br>
+            <a:r>
+              <a:rPr lang="en-US" sz="1000" dirty="0" smtClean="0"/>
+              <a:t>-2 is the second last child.</a:t>
+            </a:r>
+          </a:p>
+          <a:p>
+            <a:pPr marL="87313" indent="-87313">
+              <a:spcAft>
+                <a:spcPts val="300"/>
+              </a:spcAft>
+              <a:buFont typeface="Arial" panose="020B0604020202020204" pitchFamily="34" charset="0"/>
+              <a:buChar char="•"/>
+            </a:pPr>
+            <a:r>
+              <a:rPr lang="en-US" sz="1000" dirty="0" err="1" smtClean="0"/>
+              <a:t>i</a:t>
+            </a:r>
+            <a:r>
+              <a:rPr lang="en-US" sz="1000" dirty="0" smtClean="0"/>
+              <a:t>(b) is the child position of b.</a:t>
+            </a:r>
+            <a:endParaRPr lang="en-US" sz="1000" dirty="0"/>
+          </a:p>
+        </p:txBody>
+      </p:sp>
+      <p:grpSp>
+        <p:nvGrpSpPr>
+          <p:cNvPr id="119" name="Group 118"/>
+          <p:cNvGrpSpPr/>
+          <p:nvPr/>
+        </p:nvGrpSpPr>
+        <p:grpSpPr>
+          <a:xfrm>
+            <a:off x="6001394" y="1054800"/>
+            <a:ext cx="1274782" cy="1865874"/>
+            <a:chOff x="1491470" y="789472"/>
+            <a:chExt cx="1274782" cy="1865874"/>
+          </a:xfrm>
+        </p:grpSpPr>
+        <p:sp>
+          <p:nvSpPr>
+            <p:cNvPr id="120" name="Rounded Rectangle 119"/>
+            <p:cNvSpPr/>
+            <p:nvPr/>
+          </p:nvSpPr>
+          <p:spPr>
+            <a:xfrm>
+              <a:off x="1840591" y="2414146"/>
+              <a:ext cx="563200" cy="241200"/>
+            </a:xfrm>
+            <a:prstGeom prst="roundRect">
+              <a:avLst/>
+            </a:prstGeom>
+            <a:noFill/>
+            <a:ln w="31750">
+              <a:solidFill>
+                <a:schemeClr val="accent6">
+                  <a:alpha val="97000"/>
+                </a:schemeClr>
+              </a:solidFill>
+            </a:ln>
+          </p:spPr>
+          <p:style>
+            <a:lnRef idx="2">
+              <a:schemeClr val="accent1">
+                <a:shade val="50000"/>
+              </a:schemeClr>
+            </a:lnRef>
+            <a:fillRef idx="1">
+              <a:schemeClr val="accent1"/>
+            </a:fillRef>
+            <a:effectRef idx="0">
+              <a:schemeClr val="accent1"/>
+            </a:effectRef>
+            <a:fontRef idx="minor">
+              <a:schemeClr val="lt1"/>
+            </a:fontRef>
+          </p:style>
+          <p:txBody>
+            <a:bodyPr lIns="0" tIns="0" rIns="0" bIns="0" rtlCol="0" anchor="ctr"/>
+            <a:lstStyle/>
+            <a:p>
+              <a:pPr algn="ctr"/>
+              <a:r>
+                <a:rPr lang="en-US" dirty="0" err="1" smtClean="0">
+                  <a:solidFill>
+                    <a:schemeClr val="tx1"/>
+                  </a:solidFill>
+                </a:rPr>
+                <a:t>elem</a:t>
+              </a:r>
+              <a:endParaRPr lang="en-CA" dirty="0">
+                <a:solidFill>
+                  <a:schemeClr val="tx1"/>
+                </a:solidFill>
+              </a:endParaRPr>
+            </a:p>
+          </p:txBody>
+        </p:sp>
+        <p:cxnSp>
+          <p:nvCxnSpPr>
+            <p:cNvPr id="121" name="Straight Arrow Connector 120"/>
+            <p:cNvCxnSpPr>
+              <a:stCxn id="120" idx="0"/>
+              <a:endCxn id="122" idx="2"/>
+            </p:cNvCxnSpPr>
+            <p:nvPr/>
+          </p:nvCxnSpPr>
+          <p:spPr>
+            <a:xfrm flipH="1" flipV="1">
+              <a:off x="1952684" y="2109136"/>
+              <a:ext cx="169507" cy="305010"/>
+            </a:xfrm>
+            <a:prstGeom prst="straightConnector1">
+              <a:avLst/>
+            </a:prstGeom>
+            <a:ln>
+              <a:tailEnd type="triangle"/>
+            </a:ln>
+          </p:spPr>
+          <p:style>
+            <a:lnRef idx="1">
+              <a:schemeClr val="accent1"/>
+            </a:lnRef>
+            <a:fillRef idx="0">
+              <a:schemeClr val="accent1"/>
+            </a:fillRef>
+            <a:effectRef idx="0">
+              <a:schemeClr val="accent1"/>
+            </a:effectRef>
+            <a:fontRef idx="minor">
+              <a:schemeClr val="tx1"/>
+            </a:fontRef>
+          </p:style>
+        </p:cxnSp>
+        <p:sp>
+          <p:nvSpPr>
+            <p:cNvPr id="122" name="Rounded Rectangle 121"/>
+            <p:cNvSpPr/>
+            <p:nvPr/>
+          </p:nvSpPr>
+          <p:spPr>
+            <a:xfrm>
+              <a:off x="1840591" y="1866960"/>
+              <a:ext cx="224186" cy="242176"/>
+            </a:xfrm>
+            <a:prstGeom prst="roundRect">
+              <a:avLst/>
+            </a:prstGeom>
+            <a:noFill/>
+            <a:ln w="31750">
+              <a:solidFill>
+                <a:schemeClr val="accent6">
+                  <a:alpha val="97000"/>
+                </a:schemeClr>
+              </a:solidFill>
+            </a:ln>
+          </p:spPr>
+          <p:style>
+            <a:lnRef idx="2">
+              <a:schemeClr val="accent1">
+                <a:shade val="50000"/>
+              </a:schemeClr>
+            </a:lnRef>
+            <a:fillRef idx="1">
+              <a:schemeClr val="accent1"/>
+            </a:fillRef>
+            <a:effectRef idx="0">
+              <a:schemeClr val="accent1"/>
+            </a:effectRef>
+            <a:fontRef idx="minor">
+              <a:schemeClr val="lt1"/>
+            </a:fontRef>
+          </p:style>
+          <p:txBody>
+            <a:bodyPr lIns="0" tIns="0" rIns="0" bIns="0" rtlCol="0" anchor="ctr"/>
+            <a:lstStyle/>
+            <a:p>
+              <a:pPr algn="ctr"/>
+              <a:r>
+                <a:rPr lang="en-CA" dirty="0" smtClean="0">
+                  <a:solidFill>
+                    <a:schemeClr val="tx1"/>
+                  </a:solidFill>
+                </a:rPr>
+                <a:t>d</a:t>
+              </a:r>
+              <a:endParaRPr lang="en-CA" dirty="0">
+                <a:solidFill>
+                  <a:schemeClr val="tx1"/>
+                </a:solidFill>
+              </a:endParaRPr>
+            </a:p>
+          </p:txBody>
+        </p:sp>
+        <p:cxnSp>
+          <p:nvCxnSpPr>
+            <p:cNvPr id="123" name="Straight Arrow Connector 122"/>
+            <p:cNvCxnSpPr>
+              <a:stCxn id="122" idx="0"/>
+              <a:endCxn id="124" idx="2"/>
+            </p:cNvCxnSpPr>
+            <p:nvPr/>
+          </p:nvCxnSpPr>
+          <p:spPr>
+            <a:xfrm flipV="1">
+              <a:off x="1952684" y="1569220"/>
+              <a:ext cx="163284" cy="297740"/>
+            </a:xfrm>
+            <a:prstGeom prst="straightConnector1">
+              <a:avLst/>
+            </a:prstGeom>
+            <a:ln>
+              <a:tailEnd type="triangle"/>
+            </a:ln>
+          </p:spPr>
+          <p:style>
+            <a:lnRef idx="1">
+              <a:schemeClr val="accent1"/>
+            </a:lnRef>
+            <a:fillRef idx="0">
+              <a:schemeClr val="accent1"/>
+            </a:fillRef>
+            <a:effectRef idx="0">
+              <a:schemeClr val="accent1"/>
+            </a:effectRef>
+            <a:fontRef idx="minor">
+              <a:schemeClr val="tx1"/>
+            </a:fontRef>
+          </p:style>
+        </p:cxnSp>
+        <p:sp>
+          <p:nvSpPr>
+            <p:cNvPr id="124" name="Rounded Rectangle 123"/>
+            <p:cNvSpPr/>
+            <p:nvPr/>
+          </p:nvSpPr>
+          <p:spPr>
+            <a:xfrm>
+              <a:off x="2003875" y="1327044"/>
+              <a:ext cx="224186" cy="242176"/>
+            </a:xfrm>
+            <a:prstGeom prst="roundRect">
+              <a:avLst/>
+            </a:prstGeom>
+            <a:noFill/>
+            <a:ln w="31750">
+              <a:solidFill>
+                <a:schemeClr val="accent6">
+                  <a:alpha val="97000"/>
+                </a:schemeClr>
+              </a:solidFill>
+            </a:ln>
+          </p:spPr>
+          <p:style>
+            <a:lnRef idx="2">
+              <a:schemeClr val="accent1">
+                <a:shade val="50000"/>
+              </a:schemeClr>
+            </a:lnRef>
+            <a:fillRef idx="1">
+              <a:schemeClr val="accent1"/>
+            </a:fillRef>
+            <a:effectRef idx="0">
+              <a:schemeClr val="accent1"/>
+            </a:effectRef>
+            <a:fontRef idx="minor">
+              <a:schemeClr val="lt1"/>
+            </a:fontRef>
+          </p:style>
+          <p:txBody>
+            <a:bodyPr lIns="0" tIns="0" rIns="0" bIns="0" rtlCol="0" anchor="ctr"/>
+            <a:lstStyle/>
+            <a:p>
+              <a:pPr algn="ctr"/>
+              <a:r>
+                <a:rPr lang="en-CA" dirty="0" smtClean="0">
+                  <a:solidFill>
+                    <a:schemeClr val="tx1"/>
+                  </a:solidFill>
+                </a:rPr>
+                <a:t>b</a:t>
+              </a:r>
+              <a:endParaRPr lang="en-CA" dirty="0">
+                <a:solidFill>
+                  <a:schemeClr val="tx1"/>
+                </a:solidFill>
+              </a:endParaRPr>
+            </a:p>
+          </p:txBody>
+        </p:sp>
+        <p:cxnSp>
+          <p:nvCxnSpPr>
+            <p:cNvPr id="125" name="Straight Arrow Connector 124"/>
+            <p:cNvCxnSpPr>
+              <a:stCxn id="124" idx="0"/>
+              <a:endCxn id="126" idx="2"/>
+            </p:cNvCxnSpPr>
+            <p:nvPr/>
+          </p:nvCxnSpPr>
+          <p:spPr>
+            <a:xfrm flipV="1">
+              <a:off x="2115968" y="1031648"/>
+              <a:ext cx="1564" cy="295396"/>
+            </a:xfrm>
+            <a:prstGeom prst="straightConnector1">
+              <a:avLst/>
+            </a:prstGeom>
+            <a:ln>
+              <a:tailEnd type="triangle"/>
+            </a:ln>
+          </p:spPr>
+          <p:style>
+            <a:lnRef idx="1">
+              <a:schemeClr val="accent1"/>
+            </a:lnRef>
+            <a:fillRef idx="0">
+              <a:schemeClr val="accent1"/>
+            </a:fillRef>
+            <a:effectRef idx="0">
+              <a:schemeClr val="accent1"/>
+            </a:effectRef>
+            <a:fontRef idx="minor">
+              <a:schemeClr val="tx1"/>
+            </a:fontRef>
+          </p:style>
+        </p:cxnSp>
+        <p:sp>
+          <p:nvSpPr>
+            <p:cNvPr id="126" name="Rounded Rectangle 125"/>
+            <p:cNvSpPr/>
+            <p:nvPr/>
+          </p:nvSpPr>
+          <p:spPr>
+            <a:xfrm>
+              <a:off x="2005439" y="789472"/>
+              <a:ext cx="224186" cy="242176"/>
+            </a:xfrm>
+            <a:prstGeom prst="roundRect">
+              <a:avLst/>
+            </a:prstGeom>
+            <a:noFill/>
+            <a:ln w="31750">
+              <a:solidFill>
+                <a:schemeClr val="accent6">
+                  <a:alpha val="97000"/>
+                </a:schemeClr>
+              </a:solidFill>
+            </a:ln>
+          </p:spPr>
+          <p:style>
+            <a:lnRef idx="2">
+              <a:schemeClr val="accent1">
+                <a:shade val="50000"/>
+              </a:schemeClr>
+            </a:lnRef>
+            <a:fillRef idx="1">
+              <a:schemeClr val="accent1"/>
+            </a:fillRef>
+            <a:effectRef idx="0">
+              <a:schemeClr val="accent1"/>
+            </a:effectRef>
+            <a:fontRef idx="minor">
+              <a:schemeClr val="lt1"/>
+            </a:fontRef>
+          </p:style>
+          <p:txBody>
+            <a:bodyPr lIns="0" tIns="0" rIns="0" bIns="0" rtlCol="0" anchor="ctr"/>
+            <a:lstStyle/>
+            <a:p>
+              <a:pPr algn="ctr"/>
+              <a:r>
+                <a:rPr lang="en-CA" dirty="0" smtClean="0">
+                  <a:solidFill>
+                    <a:schemeClr val="tx1"/>
+                  </a:solidFill>
+                </a:rPr>
+                <a:t>c</a:t>
+              </a:r>
+              <a:endParaRPr lang="en-CA" dirty="0">
+                <a:solidFill>
+                  <a:schemeClr val="tx1"/>
+                </a:solidFill>
+              </a:endParaRPr>
+            </a:p>
+          </p:txBody>
+        </p:sp>
+        <p:cxnSp>
+          <p:nvCxnSpPr>
+            <p:cNvPr id="127" name="Straight Arrow Connector 126"/>
+            <p:cNvCxnSpPr>
+              <a:stCxn id="129" idx="0"/>
+              <a:endCxn id="126" idx="2"/>
+            </p:cNvCxnSpPr>
+            <p:nvPr/>
+          </p:nvCxnSpPr>
+          <p:spPr>
+            <a:xfrm flipV="1">
+              <a:off x="1603563" y="1031648"/>
+              <a:ext cx="513969" cy="296010"/>
+            </a:xfrm>
+            <a:prstGeom prst="straightConnector1">
+              <a:avLst/>
+            </a:prstGeom>
+            <a:ln>
+              <a:tailEnd type="triangle"/>
+            </a:ln>
+          </p:spPr>
+          <p:style>
+            <a:lnRef idx="1">
+              <a:schemeClr val="accent1"/>
+            </a:lnRef>
+            <a:fillRef idx="0">
+              <a:schemeClr val="accent1"/>
+            </a:fillRef>
+            <a:effectRef idx="0">
+              <a:schemeClr val="accent1"/>
+            </a:effectRef>
+            <a:fontRef idx="minor">
+              <a:schemeClr val="tx1"/>
+            </a:fontRef>
+          </p:style>
+        </p:cxnSp>
+        <p:cxnSp>
+          <p:nvCxnSpPr>
+            <p:cNvPr id="128" name="Straight Arrow Connector 127"/>
+            <p:cNvCxnSpPr>
+              <a:stCxn id="133" idx="0"/>
+              <a:endCxn id="126" idx="2"/>
+            </p:cNvCxnSpPr>
+            <p:nvPr/>
+          </p:nvCxnSpPr>
+          <p:spPr>
+            <a:xfrm flipH="1" flipV="1">
+              <a:off x="2117532" y="1031648"/>
+              <a:ext cx="482724" cy="296010"/>
+            </a:xfrm>
+            <a:prstGeom prst="straightConnector1">
+              <a:avLst/>
+            </a:prstGeom>
+            <a:ln>
+              <a:tailEnd type="triangle"/>
+            </a:ln>
+          </p:spPr>
+          <p:style>
+            <a:lnRef idx="1">
+              <a:schemeClr val="accent1"/>
+            </a:lnRef>
+            <a:fillRef idx="0">
+              <a:schemeClr val="accent1"/>
+            </a:fillRef>
+            <a:effectRef idx="0">
+              <a:schemeClr val="accent1"/>
+            </a:effectRef>
+            <a:fontRef idx="minor">
+              <a:schemeClr val="tx1"/>
+            </a:fontRef>
+          </p:style>
+        </p:cxnSp>
+        <p:sp>
+          <p:nvSpPr>
+            <p:cNvPr id="129" name="Rounded Rectangle 128"/>
+            <p:cNvSpPr/>
+            <p:nvPr/>
+          </p:nvSpPr>
+          <p:spPr>
+            <a:xfrm>
+              <a:off x="1491470" y="1327658"/>
+              <a:ext cx="224186" cy="242176"/>
+            </a:xfrm>
+            <a:prstGeom prst="roundRect">
+              <a:avLst/>
+            </a:prstGeom>
+            <a:noFill/>
+            <a:ln w="31750">
+              <a:solidFill>
+                <a:schemeClr val="accent6">
+                  <a:alpha val="97000"/>
+                </a:schemeClr>
+              </a:solidFill>
+            </a:ln>
+          </p:spPr>
+          <p:style>
+            <a:lnRef idx="2">
+              <a:schemeClr val="accent1">
+                <a:shade val="50000"/>
+              </a:schemeClr>
+            </a:lnRef>
+            <a:fillRef idx="1">
+              <a:schemeClr val="accent1"/>
+            </a:fillRef>
+            <a:effectRef idx="0">
+              <a:schemeClr val="accent1"/>
+            </a:effectRef>
+            <a:fontRef idx="minor">
+              <a:schemeClr val="lt1"/>
+            </a:fontRef>
+          </p:style>
+          <p:txBody>
+            <a:bodyPr lIns="0" tIns="0" rIns="0" bIns="0" rtlCol="0" anchor="ctr"/>
+            <a:lstStyle/>
+            <a:p>
+              <a:pPr algn="ctr"/>
+              <a:endParaRPr lang="en-CA" dirty="0">
+                <a:solidFill>
+                  <a:schemeClr val="tx1"/>
+                </a:solidFill>
+              </a:endParaRPr>
+            </a:p>
+          </p:txBody>
+        </p:sp>
+        <p:sp>
+          <p:nvSpPr>
+            <p:cNvPr id="130" name="TextBox 129"/>
+            <p:cNvSpPr txBox="1"/>
+            <p:nvPr/>
+          </p:nvSpPr>
+          <p:spPr>
+            <a:xfrm>
+              <a:off x="1522570" y="1107777"/>
+              <a:ext cx="164585" cy="230832"/>
+            </a:xfrm>
+            <a:prstGeom prst="rect">
+              <a:avLst/>
+            </a:prstGeom>
+            <a:noFill/>
+          </p:spPr>
+          <p:txBody>
+            <a:bodyPr wrap="square" lIns="0" tIns="0" rIns="0" bIns="0" rtlCol="0" anchor="ctr" anchorCtr="0">
+              <a:spAutoFit/>
+            </a:bodyPr>
+            <a:lstStyle/>
+            <a:p>
+              <a:pPr algn="ctr"/>
+              <a:r>
+                <a:rPr lang="en-US" sz="1500" dirty="0" smtClean="0"/>
+                <a:t>0</a:t>
+              </a:r>
+              <a:endParaRPr lang="en-CA" sz="1500" dirty="0"/>
+            </a:p>
+          </p:txBody>
+        </p:sp>
+        <p:sp>
+          <p:nvSpPr>
+            <p:cNvPr id="131" name="TextBox 130"/>
+            <p:cNvSpPr txBox="1"/>
+            <p:nvPr/>
+          </p:nvSpPr>
+          <p:spPr>
+            <a:xfrm>
+              <a:off x="1957221" y="1105215"/>
+              <a:ext cx="164585" cy="230832"/>
+            </a:xfrm>
+            <a:prstGeom prst="rect">
+              <a:avLst/>
+            </a:prstGeom>
+            <a:noFill/>
+          </p:spPr>
+          <p:txBody>
+            <a:bodyPr wrap="square" lIns="0" tIns="0" rIns="0" bIns="0" rtlCol="0" anchor="ctr" anchorCtr="0">
+              <a:spAutoFit/>
+            </a:bodyPr>
+            <a:lstStyle/>
+            <a:p>
+              <a:pPr algn="ctr"/>
+              <a:r>
+                <a:rPr lang="en-US" sz="1500" dirty="0" smtClean="0"/>
+                <a:t>1</a:t>
+              </a:r>
+              <a:endParaRPr lang="en-CA" sz="1500" dirty="0"/>
+            </a:p>
+          </p:txBody>
+        </p:sp>
+        <p:sp>
+          <p:nvSpPr>
+            <p:cNvPr id="132" name="TextBox 131"/>
+            <p:cNvSpPr txBox="1"/>
+            <p:nvPr/>
+          </p:nvSpPr>
+          <p:spPr>
+            <a:xfrm>
+              <a:off x="2150707" y="1105971"/>
+              <a:ext cx="164585" cy="230832"/>
+            </a:xfrm>
+            <a:prstGeom prst="rect">
+              <a:avLst/>
+            </a:prstGeom>
+            <a:noFill/>
+          </p:spPr>
+          <p:txBody>
+            <a:bodyPr wrap="square" lIns="0" tIns="0" rIns="0" bIns="0" rtlCol="0" anchor="ctr" anchorCtr="0">
+              <a:spAutoFit/>
+            </a:bodyPr>
+            <a:lstStyle/>
+            <a:p>
+              <a:pPr algn="ctr"/>
+              <a:r>
+                <a:rPr lang="en-US" sz="1500" dirty="0" smtClean="0"/>
+                <a:t>-2</a:t>
+              </a:r>
+              <a:endParaRPr lang="en-CA" sz="1500" dirty="0"/>
+            </a:p>
+          </p:txBody>
+        </p:sp>
+        <p:sp>
+          <p:nvSpPr>
+            <p:cNvPr id="133" name="Rounded Rectangle 132"/>
+            <p:cNvSpPr/>
+            <p:nvPr/>
+          </p:nvSpPr>
+          <p:spPr>
+            <a:xfrm>
+              <a:off x="2488163" y="1327658"/>
+              <a:ext cx="224186" cy="242176"/>
+            </a:xfrm>
+            <a:prstGeom prst="roundRect">
+              <a:avLst/>
+            </a:prstGeom>
+            <a:noFill/>
+            <a:ln w="31750">
+              <a:solidFill>
+                <a:schemeClr val="accent6">
+                  <a:alpha val="97000"/>
+                </a:schemeClr>
+              </a:solidFill>
+            </a:ln>
+          </p:spPr>
+          <p:style>
+            <a:lnRef idx="2">
+              <a:schemeClr val="accent1">
+                <a:shade val="50000"/>
+              </a:schemeClr>
+            </a:lnRef>
+            <a:fillRef idx="1">
+              <a:schemeClr val="accent1"/>
+            </a:fillRef>
+            <a:effectRef idx="0">
+              <a:schemeClr val="accent1"/>
+            </a:effectRef>
+            <a:fontRef idx="minor">
+              <a:schemeClr val="lt1"/>
+            </a:fontRef>
+          </p:style>
+          <p:txBody>
+            <a:bodyPr lIns="0" tIns="0" rIns="0" bIns="0" rtlCol="0" anchor="ctr"/>
+            <a:lstStyle/>
+            <a:p>
+              <a:pPr algn="ctr"/>
+              <a:endParaRPr lang="en-CA" dirty="0">
+                <a:solidFill>
+                  <a:schemeClr val="tx1"/>
+                </a:solidFill>
+              </a:endParaRPr>
+            </a:p>
+          </p:txBody>
+        </p:sp>
+        <p:sp>
+          <p:nvSpPr>
+            <p:cNvPr id="134" name="TextBox 133"/>
+            <p:cNvSpPr txBox="1"/>
+            <p:nvPr/>
+          </p:nvSpPr>
+          <p:spPr>
+            <a:xfrm>
+              <a:off x="2408181" y="1108335"/>
+              <a:ext cx="164585" cy="230832"/>
+            </a:xfrm>
+            <a:prstGeom prst="rect">
+              <a:avLst/>
+            </a:prstGeom>
+            <a:noFill/>
+          </p:spPr>
+          <p:txBody>
+            <a:bodyPr wrap="square" lIns="0" tIns="0" rIns="0" bIns="0" rtlCol="0" anchor="ctr" anchorCtr="0">
+              <a:spAutoFit/>
+            </a:bodyPr>
+            <a:lstStyle/>
+            <a:p>
+              <a:pPr algn="ctr"/>
+              <a:r>
+                <a:rPr lang="en-US" sz="1500" dirty="0" smtClean="0"/>
+                <a:t>2</a:t>
+              </a:r>
+              <a:endParaRPr lang="en-CA" sz="1500" dirty="0"/>
+            </a:p>
+          </p:txBody>
+        </p:sp>
+        <p:sp>
+          <p:nvSpPr>
+            <p:cNvPr id="135" name="TextBox 134"/>
+            <p:cNvSpPr txBox="1"/>
+            <p:nvPr/>
+          </p:nvSpPr>
+          <p:spPr>
+            <a:xfrm>
+              <a:off x="2601667" y="1109091"/>
+              <a:ext cx="164585" cy="230832"/>
+            </a:xfrm>
+            <a:prstGeom prst="rect">
+              <a:avLst/>
+            </a:prstGeom>
+            <a:noFill/>
+          </p:spPr>
+          <p:txBody>
+            <a:bodyPr wrap="square" lIns="0" tIns="0" rIns="0" bIns="0" rtlCol="0" anchor="ctr" anchorCtr="0">
+              <a:spAutoFit/>
+            </a:bodyPr>
+            <a:lstStyle/>
+            <a:p>
+              <a:pPr algn="ctr"/>
+              <a:r>
+                <a:rPr lang="en-US" sz="1500" dirty="0" smtClean="0"/>
+                <a:t>-1</a:t>
+              </a:r>
+              <a:endParaRPr lang="en-CA" sz="1500" dirty="0"/>
+            </a:p>
+          </p:txBody>
+        </p:sp>
+      </p:grpSp>
+      <p:sp>
+        <p:nvSpPr>
+          <p:cNvPr id="136" name="TextBox 135"/>
+          <p:cNvSpPr txBox="1"/>
+          <p:nvPr/>
+        </p:nvSpPr>
+        <p:spPr>
+          <a:xfrm>
+            <a:off x="2739405" y="775271"/>
+            <a:ext cx="907610" cy="230832"/>
+          </a:xfrm>
+          <a:prstGeom prst="rect">
+            <a:avLst/>
+          </a:prstGeom>
+          <a:noFill/>
+        </p:spPr>
+        <p:txBody>
+          <a:bodyPr wrap="square" lIns="0" tIns="0" rIns="0" bIns="0" rtlCol="0" anchor="ctr" anchorCtr="0">
+            <a:spAutoFit/>
+          </a:bodyPr>
+          <a:lstStyle/>
+          <a:p>
+            <a:pPr algn="ctr"/>
+            <a:r>
+              <a:rPr lang="en-US" sz="1500" dirty="0" smtClean="0"/>
+              <a:t>Naïve DOM</a:t>
+            </a:r>
+            <a:endParaRPr lang="en-CA" sz="1500" dirty="0"/>
+          </a:p>
+        </p:txBody>
+      </p:sp>
+      <p:sp>
+        <p:nvSpPr>
+          <p:cNvPr id="137" name="TextBox 136"/>
+          <p:cNvSpPr txBox="1"/>
+          <p:nvPr/>
+        </p:nvSpPr>
+        <p:spPr>
+          <a:xfrm>
+            <a:off x="6119707" y="775271"/>
+            <a:ext cx="996329" cy="230832"/>
+          </a:xfrm>
+          <a:prstGeom prst="rect">
+            <a:avLst/>
+          </a:prstGeom>
+          <a:noFill/>
+        </p:spPr>
+        <p:txBody>
+          <a:bodyPr wrap="square" lIns="0" tIns="0" rIns="0" bIns="0" rtlCol="0" anchor="ctr" anchorCtr="0">
+            <a:spAutoFit/>
+          </a:bodyPr>
+          <a:lstStyle/>
+          <a:p>
+            <a:pPr algn="ctr"/>
+            <a:r>
+              <a:rPr lang="en-US" sz="1500" dirty="0" smtClean="0"/>
+              <a:t>Solved DOM</a:t>
+            </a:r>
+            <a:endParaRPr lang="en-CA" sz="1500" dirty="0"/>
+          </a:p>
+        </p:txBody>
+      </p:sp>
+    </p:spTree>
+    <p:extLst>
+      <p:ext uri="{BB962C8B-B14F-4D97-AF65-F5344CB8AC3E}">
+        <p14:creationId xmlns:p14="http://schemas.microsoft.com/office/powerpoint/2010/main" val="1039166044"/>
+      </p:ext>
+    </p:extLst>
+  </p:cSld>
+  <p:clrMapOvr>
+    <a:masterClrMapping/>
+  </p:clrMapOvr>
 </p:sld>
 </file>
 
@@ -4615,7 +7462,7 @@
   <a:extraClrSchemeLst/>
   <a:extLst>
     <a:ext uri="{05A4C25C-085E-4340-85A3-A5531E510DB2}">
-      <thm15:themeFamily xmlns:thm15="http://schemas.microsoft.com/office/thememl/2012/main" name="Office Theme" id="{62F939B6-93AF-4DB8-9C6B-D6C7DFDC589F}" vid="{4A3C46E8-61CC-4603-A589-7422A47A8E4A}"/>
+      <thm15:themeFamily xmlns:thm15="http://schemas.microsoft.com/office/thememl/2012/main" xmlns="" name="Office Theme" id="{62F939B6-93AF-4DB8-9C6B-D6C7DFDC589F}" vid="{4A3C46E8-61CC-4603-A589-7422A47A8E4A}"/>
     </a:ext>
   </a:extLst>
 </a:theme>

--- a/docs/issta2014/dom1.pptx
+++ b/docs/issta2014/dom1.pptx
@@ -8,6 +8,7 @@
     <p:sldId id="256" r:id="rId2"/>
     <p:sldId id="257" r:id="rId3"/>
     <p:sldId id="258" r:id="rId4"/>
+    <p:sldId id="259" r:id="rId5"/>
   </p:sldIdLst>
   <p:sldSz cx="12192000" cy="6858000"/>
   <p:notesSz cx="6858000" cy="9144000"/>
@@ -108,7 +109,7 @@
   </p:defaultTextStyle>
   <p:extLst>
     <p:ext uri="{EFAFB233-063F-42B5-8137-9DF3F51BA10A}">
-      <p15:sldGuideLst xmlns:p15="http://schemas.microsoft.com/office/powerpoint/2012/main" xmlns=""/>
+      <p15:sldGuideLst xmlns="" xmlns:p15="http://schemas.microsoft.com/office/powerpoint/2012/main"/>
     </p:ext>
   </p:extLst>
 </p:presentation>
@@ -245,7 +246,7 @@
           <a:p>
             <a:fld id="{52A5C777-A12A-492A-A831-F6E5DBC3E481}" type="datetimeFigureOut">
               <a:rPr lang="en-CA" smtClean="0"/>
-              <a:t>10/01/2014</a:t>
+              <a:t>1/30/2014</a:t>
             </a:fld>
             <a:endParaRPr lang="en-CA"/>
           </a:p>
@@ -415,7 +416,7 @@
           <a:p>
             <a:fld id="{52A5C777-A12A-492A-A831-F6E5DBC3E481}" type="datetimeFigureOut">
               <a:rPr lang="en-CA" smtClean="0"/>
-              <a:t>10/01/2014</a:t>
+              <a:t>1/30/2014</a:t>
             </a:fld>
             <a:endParaRPr lang="en-CA"/>
           </a:p>
@@ -595,7 +596,7 @@
           <a:p>
             <a:fld id="{52A5C777-A12A-492A-A831-F6E5DBC3E481}" type="datetimeFigureOut">
               <a:rPr lang="en-CA" smtClean="0"/>
-              <a:t>10/01/2014</a:t>
+              <a:t>1/30/2014</a:t>
             </a:fld>
             <a:endParaRPr lang="en-CA"/>
           </a:p>
@@ -765,7 +766,7 @@
           <a:p>
             <a:fld id="{52A5C777-A12A-492A-A831-F6E5DBC3E481}" type="datetimeFigureOut">
               <a:rPr lang="en-CA" smtClean="0"/>
-              <a:t>10/01/2014</a:t>
+              <a:t>1/30/2014</a:t>
             </a:fld>
             <a:endParaRPr lang="en-CA"/>
           </a:p>
@@ -1011,7 +1012,7 @@
           <a:p>
             <a:fld id="{52A5C777-A12A-492A-A831-F6E5DBC3E481}" type="datetimeFigureOut">
               <a:rPr lang="en-CA" smtClean="0"/>
-              <a:t>10/01/2014</a:t>
+              <a:t>1/30/2014</a:t>
             </a:fld>
             <a:endParaRPr lang="en-CA"/>
           </a:p>
@@ -1243,7 +1244,7 @@
           <a:p>
             <a:fld id="{52A5C777-A12A-492A-A831-F6E5DBC3E481}" type="datetimeFigureOut">
               <a:rPr lang="en-CA" smtClean="0"/>
-              <a:t>10/01/2014</a:t>
+              <a:t>1/30/2014</a:t>
             </a:fld>
             <a:endParaRPr lang="en-CA"/>
           </a:p>
@@ -1610,7 +1611,7 @@
           <a:p>
             <a:fld id="{52A5C777-A12A-492A-A831-F6E5DBC3E481}" type="datetimeFigureOut">
               <a:rPr lang="en-CA" smtClean="0"/>
-              <a:t>10/01/2014</a:t>
+              <a:t>1/30/2014</a:t>
             </a:fld>
             <a:endParaRPr lang="en-CA"/>
           </a:p>
@@ -1728,7 +1729,7 @@
           <a:p>
             <a:fld id="{52A5C777-A12A-492A-A831-F6E5DBC3E481}" type="datetimeFigureOut">
               <a:rPr lang="en-CA" smtClean="0"/>
-              <a:t>10/01/2014</a:t>
+              <a:t>1/30/2014</a:t>
             </a:fld>
             <a:endParaRPr lang="en-CA"/>
           </a:p>
@@ -1823,7 +1824,7 @@
           <a:p>
             <a:fld id="{52A5C777-A12A-492A-A831-F6E5DBC3E481}" type="datetimeFigureOut">
               <a:rPr lang="en-CA" smtClean="0"/>
-              <a:t>10/01/2014</a:t>
+              <a:t>1/30/2014</a:t>
             </a:fld>
             <a:endParaRPr lang="en-CA"/>
           </a:p>
@@ -2100,7 +2101,7 @@
           <a:p>
             <a:fld id="{52A5C777-A12A-492A-A831-F6E5DBC3E481}" type="datetimeFigureOut">
               <a:rPr lang="en-CA" smtClean="0"/>
-              <a:t>10/01/2014</a:t>
+              <a:t>1/30/2014</a:t>
             </a:fld>
             <a:endParaRPr lang="en-CA"/>
           </a:p>
@@ -2353,7 +2354,7 @@
           <a:p>
             <a:fld id="{52A5C777-A12A-492A-A831-F6E5DBC3E481}" type="datetimeFigureOut">
               <a:rPr lang="en-CA" smtClean="0"/>
-              <a:t>10/01/2014</a:t>
+              <a:t>1/30/2014</a:t>
             </a:fld>
             <a:endParaRPr lang="en-CA"/>
           </a:p>
@@ -2566,7 +2567,7 @@
           <a:p>
             <a:fld id="{52A5C777-A12A-492A-A831-F6E5DBC3E481}" type="datetimeFigureOut">
               <a:rPr lang="en-CA" smtClean="0"/>
-              <a:t>10/01/2014</a:t>
+              <a:t>1/30/2014</a:t>
             </a:fld>
             <a:endParaRPr lang="en-CA"/>
           </a:p>
@@ -3022,7 +3023,7 @@
   <p:timing>
     <p:tnLst>
       <p:par>
-        <p:cTn id="1" dur="indefinite" restart="never" nodeType="tmRoot"/>
+        <p:cTn xmlns:p14="http://schemas.microsoft.com/office/powerpoint/2010/main" id="1" dur="indefinite" restart="never" nodeType="tmRoot"/>
       </p:par>
     </p:tnLst>
   </p:timing>
@@ -4585,7 +4586,7 @@
   <p:timing>
     <p:tnLst>
       <p:par>
-        <p:cTn id="1" dur="indefinite" restart="never" nodeType="tmRoot"/>
+        <p:cTn xmlns:p14="http://schemas.microsoft.com/office/powerpoint/2010/main" id="1" dur="indefinite" restart="never" nodeType="tmRoot"/>
       </p:par>
     </p:tnLst>
   </p:timing>
@@ -7207,6 +7208,443 @@
 </p:sld>
 </file>
 
+<file path=ppt/slides/slide4.xml><?xml version="1.0" encoding="utf-8"?>
+<p:sld xmlns:a="http://schemas.openxmlformats.org/drawingml/2006/main" xmlns:r="http://schemas.openxmlformats.org/officeDocument/2006/relationships" xmlns:p="http://schemas.openxmlformats.org/presentationml/2006/main">
+  <p:cSld>
+    <p:spTree>
+      <p:nvGrpSpPr>
+        <p:cNvPr id="1" name=""/>
+        <p:cNvGrpSpPr/>
+        <p:nvPr/>
+      </p:nvGrpSpPr>
+      <p:grpSpPr>
+        <a:xfrm>
+          <a:off x="0" y="0"/>
+          <a:ext cx="0" cy="0"/>
+          <a:chOff x="0" y="0"/>
+          <a:chExt cx="0" cy="0"/>
+        </a:xfrm>
+      </p:grpSpPr>
+      <p:sp>
+        <p:nvSpPr>
+          <p:cNvPr id="2" name="Diamond 1"/>
+          <p:cNvSpPr/>
+          <p:nvPr/>
+        </p:nvSpPr>
+        <p:spPr>
+          <a:xfrm>
+            <a:off x="4565514" y="415007"/>
+            <a:ext cx="1286645" cy="672313"/>
+          </a:xfrm>
+          <a:prstGeom prst="diamond">
+            <a:avLst/>
+          </a:prstGeom>
+        </p:spPr>
+        <p:style>
+          <a:lnRef idx="1">
+            <a:schemeClr val="accent1"/>
+          </a:lnRef>
+          <a:fillRef idx="3">
+            <a:schemeClr val="accent1"/>
+          </a:fillRef>
+          <a:effectRef idx="2">
+            <a:schemeClr val="accent1"/>
+          </a:effectRef>
+          <a:fontRef idx="minor">
+            <a:schemeClr val="lt1"/>
+          </a:fontRef>
+        </p:style>
+        <p:txBody>
+          <a:bodyPr rtlCol="0" anchor="ctr"/>
+          <a:lstStyle/>
+          <a:p>
+            <a:pPr algn="ctr"/>
+            <a:endParaRPr lang="en-US"/>
+          </a:p>
+        </p:txBody>
+      </p:sp>
+      <p:sp>
+        <p:nvSpPr>
+          <p:cNvPr id="3" name="Diamond 2"/>
+          <p:cNvSpPr/>
+          <p:nvPr/>
+        </p:nvSpPr>
+        <p:spPr>
+          <a:xfrm flipV="1">
+            <a:off x="3619209" y="1850933"/>
+            <a:ext cx="871598" cy="381809"/>
+          </a:xfrm>
+          <a:prstGeom prst="diamond">
+            <a:avLst/>
+          </a:prstGeom>
+        </p:spPr>
+        <p:style>
+          <a:lnRef idx="1">
+            <a:schemeClr val="accent1"/>
+          </a:lnRef>
+          <a:fillRef idx="3">
+            <a:schemeClr val="accent1"/>
+          </a:fillRef>
+          <a:effectRef idx="2">
+            <a:schemeClr val="accent1"/>
+          </a:effectRef>
+          <a:fontRef idx="minor">
+            <a:schemeClr val="lt1"/>
+          </a:fontRef>
+        </p:style>
+        <p:txBody>
+          <a:bodyPr rtlCol="0" anchor="ctr"/>
+          <a:lstStyle/>
+          <a:p>
+            <a:pPr algn="ctr"/>
+            <a:endParaRPr lang="en-US"/>
+          </a:p>
+        </p:txBody>
+      </p:sp>
+      <p:cxnSp>
+        <p:nvCxnSpPr>
+          <p:cNvPr id="7" name="Straight Arrow Connector 6"/>
+          <p:cNvCxnSpPr>
+            <a:stCxn id="2" idx="2"/>
+            <a:endCxn id="3" idx="2"/>
+          </p:cNvCxnSpPr>
+          <p:nvPr/>
+        </p:nvCxnSpPr>
+        <p:spPr>
+          <a:xfrm flipH="1">
+            <a:off x="4055008" y="1087320"/>
+            <a:ext cx="1153829" cy="763613"/>
+          </a:xfrm>
+          <a:prstGeom prst="straightConnector1">
+            <a:avLst/>
+          </a:prstGeom>
+          <a:ln>
+            <a:tailEnd type="arrow"/>
+          </a:ln>
+        </p:spPr>
+        <p:style>
+          <a:lnRef idx="2">
+            <a:schemeClr val="accent1"/>
+          </a:lnRef>
+          <a:fillRef idx="0">
+            <a:schemeClr val="accent1"/>
+          </a:fillRef>
+          <a:effectRef idx="1">
+            <a:schemeClr val="accent1"/>
+          </a:effectRef>
+          <a:fontRef idx="minor">
+            <a:schemeClr val="tx1"/>
+          </a:fontRef>
+        </p:style>
+      </p:cxnSp>
+      <p:cxnSp>
+        <p:nvCxnSpPr>
+          <p:cNvPr id="10" name="Straight Arrow Connector 9"/>
+          <p:cNvCxnSpPr>
+            <a:stCxn id="2" idx="2"/>
+            <a:endCxn id="11" idx="0"/>
+          </p:cNvCxnSpPr>
+          <p:nvPr/>
+        </p:nvCxnSpPr>
+        <p:spPr>
+          <a:xfrm>
+            <a:off x="5208837" y="1087320"/>
+            <a:ext cx="672377" cy="4573384"/>
+          </a:xfrm>
+          <a:prstGeom prst="straightConnector1">
+            <a:avLst/>
+          </a:prstGeom>
+          <a:ln>
+            <a:tailEnd type="arrow"/>
+          </a:ln>
+        </p:spPr>
+        <p:style>
+          <a:lnRef idx="2">
+            <a:schemeClr val="accent1"/>
+          </a:lnRef>
+          <a:fillRef idx="0">
+            <a:schemeClr val="accent1"/>
+          </a:fillRef>
+          <a:effectRef idx="1">
+            <a:schemeClr val="accent1"/>
+          </a:effectRef>
+          <a:fontRef idx="minor">
+            <a:schemeClr val="tx1"/>
+          </a:fontRef>
+        </p:style>
+      </p:cxnSp>
+      <p:sp>
+        <p:nvSpPr>
+          <p:cNvPr id="11" name="Rounded Rectangle 10"/>
+          <p:cNvSpPr/>
+          <p:nvPr/>
+        </p:nvSpPr>
+        <p:spPr>
+          <a:xfrm>
+            <a:off x="5511822" y="5660704"/>
+            <a:ext cx="738784" cy="639112"/>
+          </a:xfrm>
+          <a:prstGeom prst="roundRect">
+            <a:avLst/>
+          </a:prstGeom>
+        </p:spPr>
+        <p:style>
+          <a:lnRef idx="1">
+            <a:schemeClr val="accent1"/>
+          </a:lnRef>
+          <a:fillRef idx="3">
+            <a:schemeClr val="accent1"/>
+          </a:fillRef>
+          <a:effectRef idx="2">
+            <a:schemeClr val="accent1"/>
+          </a:effectRef>
+          <a:fontRef idx="minor">
+            <a:schemeClr val="lt1"/>
+          </a:fontRef>
+        </p:style>
+        <p:txBody>
+          <a:bodyPr rtlCol="0" anchor="ctr"/>
+          <a:lstStyle/>
+          <a:p>
+            <a:pPr algn="ctr"/>
+            <a:endParaRPr lang="en-US"/>
+          </a:p>
+        </p:txBody>
+      </p:sp>
+      <p:cxnSp>
+        <p:nvCxnSpPr>
+          <p:cNvPr id="19" name="Elbow Connector 18"/>
+          <p:cNvCxnSpPr/>
+          <p:nvPr/>
+        </p:nvCxnSpPr>
+        <p:spPr>
+          <a:xfrm rot="5400000" flipH="1" flipV="1">
+            <a:off x="2239112" y="2228243"/>
+            <a:ext cx="4791262" cy="1164790"/>
+          </a:xfrm>
+          <a:prstGeom prst="bentConnector5">
+            <a:avLst>
+              <a:gd name="adj1" fmla="val -4771"/>
+              <a:gd name="adj2" fmla="val -126140"/>
+              <a:gd name="adj3" fmla="val 104771"/>
+            </a:avLst>
+          </a:prstGeom>
+          <a:ln>
+            <a:tailEnd type="arrow"/>
+          </a:ln>
+        </p:spPr>
+        <p:style>
+          <a:lnRef idx="2">
+            <a:schemeClr val="accent1"/>
+          </a:lnRef>
+          <a:fillRef idx="0">
+            <a:schemeClr val="accent1"/>
+          </a:fillRef>
+          <a:effectRef idx="1">
+            <a:schemeClr val="accent1"/>
+          </a:effectRef>
+          <a:fontRef idx="minor">
+            <a:schemeClr val="tx1"/>
+          </a:fontRef>
+        </p:style>
+      </p:cxnSp>
+      <p:cxnSp>
+        <p:nvCxnSpPr>
+          <p:cNvPr id="26" name="Straight Arrow Connector 25"/>
+          <p:cNvCxnSpPr>
+            <a:stCxn id="3" idx="0"/>
+            <a:endCxn id="43" idx="0"/>
+          </p:cNvCxnSpPr>
+          <p:nvPr/>
+        </p:nvCxnSpPr>
+        <p:spPr>
+          <a:xfrm flipH="1">
+            <a:off x="3476925" y="2232742"/>
+            <a:ext cx="578083" cy="672311"/>
+          </a:xfrm>
+          <a:prstGeom prst="straightConnector1">
+            <a:avLst/>
+          </a:prstGeom>
+          <a:ln>
+            <a:tailEnd type="arrow"/>
+          </a:ln>
+        </p:spPr>
+        <p:style>
+          <a:lnRef idx="2">
+            <a:schemeClr val="accent1"/>
+          </a:lnRef>
+          <a:fillRef idx="0">
+            <a:schemeClr val="accent1"/>
+          </a:fillRef>
+          <a:effectRef idx="1">
+            <a:schemeClr val="accent1"/>
+          </a:effectRef>
+          <a:fontRef idx="minor">
+            <a:schemeClr val="tx1"/>
+          </a:fontRef>
+        </p:style>
+      </p:cxnSp>
+      <p:sp>
+        <p:nvSpPr>
+          <p:cNvPr id="27" name="Rounded Rectangle 26"/>
+          <p:cNvSpPr/>
+          <p:nvPr/>
+        </p:nvSpPr>
+        <p:spPr>
+          <a:xfrm>
+            <a:off x="3652411" y="4755987"/>
+            <a:ext cx="783271" cy="450282"/>
+          </a:xfrm>
+          <a:prstGeom prst="roundRect">
+            <a:avLst/>
+          </a:prstGeom>
+        </p:spPr>
+        <p:style>
+          <a:lnRef idx="1">
+            <a:schemeClr val="accent1"/>
+          </a:lnRef>
+          <a:fillRef idx="3">
+            <a:schemeClr val="accent1"/>
+          </a:fillRef>
+          <a:effectRef idx="2">
+            <a:schemeClr val="accent1"/>
+          </a:effectRef>
+          <a:fontRef idx="minor">
+            <a:schemeClr val="lt1"/>
+          </a:fontRef>
+        </p:style>
+        <p:txBody>
+          <a:bodyPr rtlCol="0" anchor="ctr"/>
+          <a:lstStyle/>
+          <a:p>
+            <a:pPr algn="ctr"/>
+            <a:endParaRPr lang="en-US"/>
+          </a:p>
+        </p:txBody>
+      </p:sp>
+      <p:sp>
+        <p:nvSpPr>
+          <p:cNvPr id="43" name="Rounded Rectangle 42"/>
+          <p:cNvSpPr/>
+          <p:nvPr/>
+        </p:nvSpPr>
+        <p:spPr>
+          <a:xfrm>
+            <a:off x="3046444" y="2905053"/>
+            <a:ext cx="860962" cy="420079"/>
+          </a:xfrm>
+          <a:prstGeom prst="roundRect">
+            <a:avLst/>
+          </a:prstGeom>
+        </p:spPr>
+        <p:style>
+          <a:lnRef idx="1">
+            <a:schemeClr val="accent1"/>
+          </a:lnRef>
+          <a:fillRef idx="3">
+            <a:schemeClr val="accent1"/>
+          </a:fillRef>
+          <a:effectRef idx="2">
+            <a:schemeClr val="accent1"/>
+          </a:effectRef>
+          <a:fontRef idx="minor">
+            <a:schemeClr val="lt1"/>
+          </a:fontRef>
+        </p:style>
+        <p:txBody>
+          <a:bodyPr rtlCol="0" anchor="ctr"/>
+          <a:lstStyle/>
+          <a:p>
+            <a:pPr algn="ctr"/>
+            <a:endParaRPr lang="en-US"/>
+          </a:p>
+        </p:txBody>
+      </p:sp>
+      <p:cxnSp>
+        <p:nvCxnSpPr>
+          <p:cNvPr id="46" name="Straight Arrow Connector 45"/>
+          <p:cNvCxnSpPr>
+            <a:stCxn id="43" idx="2"/>
+            <a:endCxn id="27" idx="0"/>
+          </p:cNvCxnSpPr>
+          <p:nvPr/>
+        </p:nvCxnSpPr>
+        <p:spPr>
+          <a:xfrm>
+            <a:off x="3476925" y="3325132"/>
+            <a:ext cx="567122" cy="1430855"/>
+          </a:xfrm>
+          <a:prstGeom prst="straightConnector1">
+            <a:avLst/>
+          </a:prstGeom>
+          <a:ln>
+            <a:tailEnd type="arrow"/>
+          </a:ln>
+        </p:spPr>
+        <p:style>
+          <a:lnRef idx="2">
+            <a:schemeClr val="accent1"/>
+          </a:lnRef>
+          <a:fillRef idx="0">
+            <a:schemeClr val="accent1"/>
+          </a:fillRef>
+          <a:effectRef idx="1">
+            <a:schemeClr val="accent1"/>
+          </a:effectRef>
+          <a:fontRef idx="minor">
+            <a:schemeClr val="tx1"/>
+          </a:fontRef>
+        </p:style>
+      </p:cxnSp>
+      <p:cxnSp>
+        <p:nvCxnSpPr>
+          <p:cNvPr id="71" name="Straight Arrow Connector 70"/>
+          <p:cNvCxnSpPr>
+            <a:stCxn id="3" idx="0"/>
+            <a:endCxn id="27" idx="0"/>
+          </p:cNvCxnSpPr>
+          <p:nvPr/>
+        </p:nvCxnSpPr>
+        <p:spPr>
+          <a:xfrm flipH="1">
+            <a:off x="4044047" y="2232742"/>
+            <a:ext cx="10961" cy="2523245"/>
+          </a:xfrm>
+          <a:prstGeom prst="straightConnector1">
+            <a:avLst/>
+          </a:prstGeom>
+          <a:ln>
+            <a:tailEnd type="arrow"/>
+          </a:ln>
+        </p:spPr>
+        <p:style>
+          <a:lnRef idx="2">
+            <a:schemeClr val="accent1"/>
+          </a:lnRef>
+          <a:fillRef idx="0">
+            <a:schemeClr val="accent1"/>
+          </a:fillRef>
+          <a:effectRef idx="1">
+            <a:schemeClr val="accent1"/>
+          </a:effectRef>
+          <a:fontRef idx="minor">
+            <a:schemeClr val="tx1"/>
+          </a:fontRef>
+        </p:style>
+      </p:cxnSp>
+    </p:spTree>
+    <p:extLst>
+      <p:ext uri="{BB962C8B-B14F-4D97-AF65-F5344CB8AC3E}">
+        <p14:creationId xmlns:p14="http://schemas.microsoft.com/office/powerpoint/2010/main" val="3595192848"/>
+      </p:ext>
+    </p:extLst>
+  </p:cSld>
+  <p:clrMapOvr>
+    <a:masterClrMapping/>
+  </p:clrMapOvr>
+</p:sld>
+</file>
+
 <file path=ppt/theme/theme1.xml><?xml version="1.0" encoding="utf-8"?>
 <a:theme xmlns:a="http://schemas.openxmlformats.org/drawingml/2006/main" name="Office Theme">
   <a:themeElements>
@@ -7250,7 +7688,7 @@
     </a:clrScheme>
     <a:fontScheme name="Office">
       <a:majorFont>
-        <a:latin typeface="Calibri Light" panose="020F0302020204030204"/>
+        <a:latin typeface="Calibri Light"/>
         <a:ea typeface=""/>
         <a:cs typeface=""/>
         <a:font script="Jpan" typeface="ＭＳ Ｐゴシック"/>
@@ -7285,7 +7723,7 @@
         <a:font script="Geor" typeface="Sylfaen"/>
       </a:majorFont>
       <a:minorFont>
-        <a:latin typeface="Calibri" panose="020F0502020204030204"/>
+        <a:latin typeface="Calibri"/>
         <a:ea typeface=""/>
         <a:cs typeface=""/>
         <a:font script="Jpan" typeface="ＭＳ Ｐゴシック"/>
@@ -7462,7 +7900,7 @@
   <a:extraClrSchemeLst/>
   <a:extLst>
     <a:ext uri="{05A4C25C-085E-4340-85A3-A5531E510DB2}">
-      <thm15:themeFamily xmlns:thm15="http://schemas.microsoft.com/office/thememl/2012/main" xmlns="" name="Office Theme" id="{62F939B6-93AF-4DB8-9C6B-D6C7DFDC589F}" vid="{4A3C46E8-61CC-4603-A589-7422A47A8E4A}"/>
+      <thm15:themeFamily xmlns="" xmlns:thm15="http://schemas.microsoft.com/office/thememl/2012/main" name="Office Theme" id="{62F939B6-93AF-4DB8-9C6B-D6C7DFDC589F}" vid="{4A3C46E8-61CC-4603-A589-7422A47A8E4A}"/>
     </a:ext>
   </a:extLst>
 </a:theme>
